--- a/Documents/funsports - final ppt.pptx
+++ b/Documents/funsports - final ppt.pptx
@@ -16,8 +16,8 @@
     <p:sldId id="257" r:id="rId5"/>
     <p:sldId id="279" r:id="rId6"/>
     <p:sldId id="281" r:id="rId7"/>
-    <p:sldId id="270" r:id="rId8"/>
-    <p:sldId id="271" r:id="rId9"/>
+    <p:sldId id="271" r:id="rId8"/>
+    <p:sldId id="270" r:id="rId9"/>
   </p:sldIdLst>
   <p:sldSz cx="12192000" cy="6858000"/>
   <p:notesSz cx="6858000" cy="9144000"/>
@@ -136,3110 +136,6 @@
     </p:ext>
   </p:extLst>
 </p:presentation>
-</file>
-
-<file path=ppt/diagrams/colors1.xml><?xml version="1.0" encoding="utf-8"?>
-<dgm:colorsDef xmlns:dgm="http://schemas.openxmlformats.org/drawingml/2006/diagram" xmlns:a="http://schemas.openxmlformats.org/drawingml/2006/main" uniqueId="urn:microsoft.com/office/officeart/2005/8/colors/accent1_3">
-  <dgm:title val=""/>
-  <dgm:desc val=""/>
-  <dgm:catLst>
-    <dgm:cat type="accent1" pri="11300"/>
-  </dgm:catLst>
-  <dgm:styleLbl name="node0">
-    <dgm:fillClrLst meth="repeat">
-      <a:schemeClr val="accent1">
-        <a:shade val="80000"/>
-      </a:schemeClr>
-    </dgm:fillClrLst>
-    <dgm:linClrLst meth="repeat">
-      <a:schemeClr val="lt1"/>
-    </dgm:linClrLst>
-    <dgm:effectClrLst/>
-    <dgm:txLinClrLst/>
-    <dgm:txFillClrLst/>
-    <dgm:txEffectClrLst/>
-  </dgm:styleLbl>
-  <dgm:styleLbl name="alignNode1">
-    <dgm:fillClrLst>
-      <a:schemeClr val="accent1">
-        <a:shade val="80000"/>
-      </a:schemeClr>
-      <a:schemeClr val="accent1">
-        <a:tint val="70000"/>
-      </a:schemeClr>
-    </dgm:fillClrLst>
-    <dgm:linClrLst>
-      <a:schemeClr val="accent1">
-        <a:shade val="80000"/>
-      </a:schemeClr>
-      <a:schemeClr val="accent1">
-        <a:tint val="70000"/>
-      </a:schemeClr>
-    </dgm:linClrLst>
-    <dgm:effectClrLst/>
-    <dgm:txLinClrLst/>
-    <dgm:txFillClrLst/>
-    <dgm:txEffectClrLst/>
-  </dgm:styleLbl>
-  <dgm:styleLbl name="node1">
-    <dgm:fillClrLst>
-      <a:schemeClr val="accent1">
-        <a:shade val="80000"/>
-      </a:schemeClr>
-      <a:schemeClr val="accent1">
-        <a:tint val="70000"/>
-      </a:schemeClr>
-    </dgm:fillClrLst>
-    <dgm:linClrLst meth="repeat">
-      <a:schemeClr val="lt1"/>
-    </dgm:linClrLst>
-    <dgm:effectClrLst/>
-    <dgm:txLinClrLst/>
-    <dgm:txFillClrLst/>
-    <dgm:txEffectClrLst/>
-  </dgm:styleLbl>
-  <dgm:styleLbl name="lnNode1">
-    <dgm:fillClrLst>
-      <a:schemeClr val="accent1">
-        <a:shade val="80000"/>
-      </a:schemeClr>
-      <a:schemeClr val="accent1">
-        <a:tint val="70000"/>
-      </a:schemeClr>
-    </dgm:fillClrLst>
-    <dgm:linClrLst meth="repeat">
-      <a:schemeClr val="lt1"/>
-    </dgm:linClrLst>
-    <dgm:effectClrLst/>
-    <dgm:txLinClrLst/>
-    <dgm:txFillClrLst/>
-    <dgm:txEffectClrLst/>
-  </dgm:styleLbl>
-  <dgm:styleLbl name="vennNode1">
-    <dgm:fillClrLst>
-      <a:schemeClr val="accent1">
-        <a:shade val="80000"/>
-        <a:alpha val="50000"/>
-      </a:schemeClr>
-      <a:schemeClr val="accent1">
-        <a:tint val="70000"/>
-        <a:alpha val="50000"/>
-      </a:schemeClr>
-    </dgm:fillClrLst>
-    <dgm:linClrLst meth="repeat">
-      <a:schemeClr val="lt1"/>
-    </dgm:linClrLst>
-    <dgm:effectClrLst/>
-    <dgm:txLinClrLst/>
-    <dgm:txFillClrLst/>
-    <dgm:txEffectClrLst/>
-  </dgm:styleLbl>
-  <dgm:styleLbl name="node2">
-    <dgm:fillClrLst>
-      <a:schemeClr val="accent1">
-        <a:tint val="99000"/>
-      </a:schemeClr>
-    </dgm:fillClrLst>
-    <dgm:linClrLst meth="repeat">
-      <a:schemeClr val="lt1"/>
-    </dgm:linClrLst>
-    <dgm:effectClrLst/>
-    <dgm:txLinClrLst/>
-    <dgm:txFillClrLst/>
-    <dgm:txEffectClrLst/>
-  </dgm:styleLbl>
-  <dgm:styleLbl name="node3">
-    <dgm:fillClrLst>
-      <a:schemeClr val="accent1">
-        <a:tint val="80000"/>
-      </a:schemeClr>
-    </dgm:fillClrLst>
-    <dgm:linClrLst meth="repeat">
-      <a:schemeClr val="lt1"/>
-    </dgm:linClrLst>
-    <dgm:effectClrLst/>
-    <dgm:txLinClrLst/>
-    <dgm:txFillClrLst/>
-    <dgm:txEffectClrLst/>
-  </dgm:styleLbl>
-  <dgm:styleLbl name="node4">
-    <dgm:fillClrLst>
-      <a:schemeClr val="accent1">
-        <a:tint val="70000"/>
-      </a:schemeClr>
-    </dgm:fillClrLst>
-    <dgm:linClrLst meth="repeat">
-      <a:schemeClr val="lt1"/>
-    </dgm:linClrLst>
-    <dgm:effectClrLst/>
-    <dgm:txLinClrLst/>
-    <dgm:txFillClrLst/>
-    <dgm:txEffectClrLst/>
-  </dgm:styleLbl>
-  <dgm:styleLbl name="fgImgPlace1">
-    <dgm:fillClrLst>
-      <a:schemeClr val="accent1">
-        <a:tint val="50000"/>
-      </a:schemeClr>
-      <a:schemeClr val="accent1">
-        <a:tint val="20000"/>
-      </a:schemeClr>
-    </dgm:fillClrLst>
-    <dgm:linClrLst meth="repeat">
-      <a:schemeClr val="lt1"/>
-    </dgm:linClrLst>
-    <dgm:effectClrLst/>
-    <dgm:txLinClrLst/>
-    <dgm:txFillClrLst meth="repeat">
-      <a:schemeClr val="lt1"/>
-    </dgm:txFillClrLst>
-    <dgm:txEffectClrLst/>
-  </dgm:styleLbl>
-  <dgm:styleLbl name="alignImgPlace1">
-    <dgm:fillClrLst>
-      <a:schemeClr val="accent1">
-        <a:tint val="50000"/>
-      </a:schemeClr>
-      <a:schemeClr val="accent1">
-        <a:tint val="20000"/>
-      </a:schemeClr>
-    </dgm:fillClrLst>
-    <dgm:linClrLst meth="repeat">
-      <a:schemeClr val="lt1"/>
-    </dgm:linClrLst>
-    <dgm:effectClrLst/>
-    <dgm:txLinClrLst/>
-    <dgm:txFillClrLst meth="repeat">
-      <a:schemeClr val="lt1"/>
-    </dgm:txFillClrLst>
-    <dgm:txEffectClrLst/>
-  </dgm:styleLbl>
-  <dgm:styleLbl name="bgImgPlace1">
-    <dgm:fillClrLst>
-      <a:schemeClr val="accent1">
-        <a:tint val="50000"/>
-      </a:schemeClr>
-      <a:schemeClr val="accent1">
-        <a:tint val="20000"/>
-      </a:schemeClr>
-    </dgm:fillClrLst>
-    <dgm:linClrLst meth="repeat">
-      <a:schemeClr val="lt1"/>
-    </dgm:linClrLst>
-    <dgm:effectClrLst/>
-    <dgm:txLinClrLst/>
-    <dgm:txFillClrLst meth="repeat">
-      <a:schemeClr val="lt1"/>
-    </dgm:txFillClrLst>
-    <dgm:txEffectClrLst/>
-  </dgm:styleLbl>
-  <dgm:styleLbl name="sibTrans2D1">
-    <dgm:fillClrLst>
-      <a:schemeClr val="accent1">
-        <a:shade val="90000"/>
-      </a:schemeClr>
-      <a:schemeClr val="accent1">
-        <a:tint val="70000"/>
-      </a:schemeClr>
-    </dgm:fillClrLst>
-    <dgm:linClrLst>
-      <a:schemeClr val="accent1">
-        <a:shade val="90000"/>
-      </a:schemeClr>
-      <a:schemeClr val="accent1">
-        <a:tint val="70000"/>
-      </a:schemeClr>
-    </dgm:linClrLst>
-    <dgm:effectClrLst/>
-    <dgm:txLinClrLst/>
-    <dgm:txFillClrLst/>
-    <dgm:txEffectClrLst/>
-  </dgm:styleLbl>
-  <dgm:styleLbl name="fgSibTrans2D1">
-    <dgm:fillClrLst>
-      <a:schemeClr val="accent1">
-        <a:shade val="90000"/>
-      </a:schemeClr>
-      <a:schemeClr val="accent1">
-        <a:tint val="70000"/>
-      </a:schemeClr>
-    </dgm:fillClrLst>
-    <dgm:linClrLst>
-      <a:schemeClr val="accent1">
-        <a:shade val="90000"/>
-      </a:schemeClr>
-      <a:schemeClr val="accent1">
-        <a:tint val="70000"/>
-      </a:schemeClr>
-    </dgm:linClrLst>
-    <dgm:effectClrLst/>
-    <dgm:txLinClrLst/>
-    <dgm:txFillClrLst meth="repeat">
-      <a:schemeClr val="lt1"/>
-    </dgm:txFillClrLst>
-    <dgm:txEffectClrLst/>
-  </dgm:styleLbl>
-  <dgm:styleLbl name="bgSibTrans2D1">
-    <dgm:fillClrLst>
-      <a:schemeClr val="accent1">
-        <a:shade val="90000"/>
-      </a:schemeClr>
-      <a:schemeClr val="accent1">
-        <a:tint val="70000"/>
-      </a:schemeClr>
-    </dgm:fillClrLst>
-    <dgm:linClrLst>
-      <a:schemeClr val="accent1">
-        <a:shade val="90000"/>
-      </a:schemeClr>
-      <a:schemeClr val="accent1">
-        <a:tint val="70000"/>
-      </a:schemeClr>
-    </dgm:linClrLst>
-    <dgm:effectClrLst/>
-    <dgm:txLinClrLst/>
-    <dgm:txFillClrLst meth="repeat">
-      <a:schemeClr val="lt1"/>
-    </dgm:txFillClrLst>
-    <dgm:txEffectClrLst/>
-  </dgm:styleLbl>
-  <dgm:styleLbl name="sibTrans1D1">
-    <dgm:fillClrLst>
-      <a:schemeClr val="accent1">
-        <a:shade val="90000"/>
-      </a:schemeClr>
-      <a:schemeClr val="accent1">
-        <a:tint val="70000"/>
-      </a:schemeClr>
-    </dgm:fillClrLst>
-    <dgm:linClrLst>
-      <a:schemeClr val="accent1">
-        <a:shade val="90000"/>
-      </a:schemeClr>
-      <a:schemeClr val="accent1">
-        <a:tint val="70000"/>
-      </a:schemeClr>
-    </dgm:linClrLst>
-    <dgm:effectClrLst/>
-    <dgm:txLinClrLst/>
-    <dgm:txFillClrLst meth="repeat">
-      <a:schemeClr val="tx1"/>
-    </dgm:txFillClrLst>
-    <dgm:txEffectClrLst/>
-  </dgm:styleLbl>
-  <dgm:styleLbl name="callout">
-    <dgm:fillClrLst meth="repeat">
-      <a:schemeClr val="accent1"/>
-    </dgm:fillClrLst>
-    <dgm:linClrLst meth="repeat">
-      <a:schemeClr val="accent1"/>
-    </dgm:linClrLst>
-    <dgm:effectClrLst/>
-    <dgm:txLinClrLst/>
-    <dgm:txFillClrLst meth="repeat">
-      <a:schemeClr val="tx1"/>
-    </dgm:txFillClrLst>
-    <dgm:txEffectClrLst/>
-  </dgm:styleLbl>
-  <dgm:styleLbl name="asst0">
-    <dgm:fillClrLst meth="repeat">
-      <a:schemeClr val="accent1">
-        <a:shade val="80000"/>
-      </a:schemeClr>
-    </dgm:fillClrLst>
-    <dgm:linClrLst meth="repeat">
-      <a:schemeClr val="lt1"/>
-    </dgm:linClrLst>
-    <dgm:effectClrLst/>
-    <dgm:txLinClrLst/>
-    <dgm:txFillClrLst/>
-    <dgm:txEffectClrLst/>
-  </dgm:styleLbl>
-  <dgm:styleLbl name="asst1">
-    <dgm:fillClrLst meth="repeat">
-      <a:schemeClr val="accent1">
-        <a:shade val="80000"/>
-      </a:schemeClr>
-    </dgm:fillClrLst>
-    <dgm:linClrLst meth="repeat">
-      <a:schemeClr val="lt1"/>
-    </dgm:linClrLst>
-    <dgm:effectClrLst/>
-    <dgm:txLinClrLst/>
-    <dgm:txFillClrLst/>
-    <dgm:txEffectClrLst/>
-  </dgm:styleLbl>
-  <dgm:styleLbl name="asst2">
-    <dgm:fillClrLst>
-      <a:schemeClr val="accent1">
-        <a:tint val="99000"/>
-      </a:schemeClr>
-    </dgm:fillClrLst>
-    <dgm:linClrLst meth="repeat">
-      <a:schemeClr val="lt1"/>
-    </dgm:linClrLst>
-    <dgm:effectClrLst/>
-    <dgm:txLinClrLst/>
-    <dgm:txFillClrLst/>
-    <dgm:txEffectClrLst/>
-  </dgm:styleLbl>
-  <dgm:styleLbl name="asst3">
-    <dgm:fillClrLst>
-      <a:schemeClr val="accent1">
-        <a:tint val="80000"/>
-      </a:schemeClr>
-    </dgm:fillClrLst>
-    <dgm:linClrLst meth="repeat">
-      <a:schemeClr val="lt1"/>
-    </dgm:linClrLst>
-    <dgm:effectClrLst/>
-    <dgm:txLinClrLst/>
-    <dgm:txFillClrLst/>
-    <dgm:txEffectClrLst/>
-  </dgm:styleLbl>
-  <dgm:styleLbl name="asst4">
-    <dgm:fillClrLst>
-      <a:schemeClr val="accent1">
-        <a:tint val="70000"/>
-      </a:schemeClr>
-    </dgm:fillClrLst>
-    <dgm:linClrLst meth="repeat">
-      <a:schemeClr val="lt1"/>
-    </dgm:linClrLst>
-    <dgm:effectClrLst/>
-    <dgm:txLinClrLst/>
-    <dgm:txFillClrLst/>
-    <dgm:txEffectClrLst/>
-  </dgm:styleLbl>
-  <dgm:styleLbl name="parChTrans2D1">
-    <dgm:fillClrLst meth="repeat">
-      <a:schemeClr val="accent1">
-        <a:tint val="60000"/>
-      </a:schemeClr>
-    </dgm:fillClrLst>
-    <dgm:linClrLst meth="repeat">
-      <a:schemeClr val="accent1">
-        <a:tint val="60000"/>
-      </a:schemeClr>
-    </dgm:linClrLst>
-    <dgm:effectClrLst/>
-    <dgm:txLinClrLst/>
-    <dgm:txFillClrLst meth="repeat">
-      <a:schemeClr val="lt1"/>
-    </dgm:txFillClrLst>
-    <dgm:txEffectClrLst/>
-  </dgm:styleLbl>
-  <dgm:styleLbl name="parChTrans2D2">
-    <dgm:fillClrLst meth="repeat">
-      <a:schemeClr val="accent1">
-        <a:tint val="90000"/>
-      </a:schemeClr>
-    </dgm:fillClrLst>
-    <dgm:linClrLst meth="repeat">
-      <a:schemeClr val="accent1">
-        <a:tint val="90000"/>
-      </a:schemeClr>
-    </dgm:linClrLst>
-    <dgm:effectClrLst/>
-    <dgm:txLinClrLst/>
-    <dgm:txFillClrLst/>
-    <dgm:txEffectClrLst/>
-  </dgm:styleLbl>
-  <dgm:styleLbl name="parChTrans2D3">
-    <dgm:fillClrLst meth="repeat">
-      <a:schemeClr val="accent1">
-        <a:tint val="70000"/>
-      </a:schemeClr>
-    </dgm:fillClrLst>
-    <dgm:linClrLst meth="repeat">
-      <a:schemeClr val="accent1">
-        <a:tint val="70000"/>
-      </a:schemeClr>
-    </dgm:linClrLst>
-    <dgm:effectClrLst/>
-    <dgm:txLinClrLst/>
-    <dgm:txFillClrLst/>
-    <dgm:txEffectClrLst/>
-  </dgm:styleLbl>
-  <dgm:styleLbl name="parChTrans2D4">
-    <dgm:fillClrLst meth="repeat">
-      <a:schemeClr val="accent1">
-        <a:tint val="50000"/>
-      </a:schemeClr>
-    </dgm:fillClrLst>
-    <dgm:linClrLst meth="repeat">
-      <a:schemeClr val="accent1">
-        <a:tint val="50000"/>
-      </a:schemeClr>
-    </dgm:linClrLst>
-    <dgm:effectClrLst/>
-    <dgm:txLinClrLst/>
-    <dgm:txFillClrLst meth="repeat">
-      <a:schemeClr val="lt1"/>
-    </dgm:txFillClrLst>
-    <dgm:txEffectClrLst/>
-  </dgm:styleLbl>
-  <dgm:styleLbl name="parChTrans1D1">
-    <dgm:fillClrLst meth="repeat">
-      <a:schemeClr val="accent1">
-        <a:shade val="80000"/>
-      </a:schemeClr>
-    </dgm:fillClrLst>
-    <dgm:linClrLst meth="repeat">
-      <a:schemeClr val="accent1">
-        <a:shade val="80000"/>
-      </a:schemeClr>
-    </dgm:linClrLst>
-    <dgm:effectClrLst/>
-    <dgm:txLinClrLst/>
-    <dgm:txFillClrLst meth="repeat">
-      <a:schemeClr val="tx1"/>
-    </dgm:txFillClrLst>
-    <dgm:txEffectClrLst/>
-  </dgm:styleLbl>
-  <dgm:styleLbl name="parChTrans1D2">
-    <dgm:fillClrLst meth="repeat">
-      <a:schemeClr val="accent1">
-        <a:tint val="99000"/>
-      </a:schemeClr>
-    </dgm:fillClrLst>
-    <dgm:linClrLst meth="repeat">
-      <a:schemeClr val="accent1">
-        <a:tint val="99000"/>
-      </a:schemeClr>
-    </dgm:linClrLst>
-    <dgm:effectClrLst/>
-    <dgm:txLinClrLst/>
-    <dgm:txFillClrLst meth="repeat">
-      <a:schemeClr val="tx1"/>
-    </dgm:txFillClrLst>
-    <dgm:txEffectClrLst/>
-  </dgm:styleLbl>
-  <dgm:styleLbl name="parChTrans1D3">
-    <dgm:fillClrLst meth="repeat">
-      <a:schemeClr val="accent1">
-        <a:tint val="80000"/>
-      </a:schemeClr>
-    </dgm:fillClrLst>
-    <dgm:linClrLst meth="repeat">
-      <a:schemeClr val="accent1">
-        <a:tint val="80000"/>
-      </a:schemeClr>
-    </dgm:linClrLst>
-    <dgm:effectClrLst/>
-    <dgm:txLinClrLst/>
-    <dgm:txFillClrLst meth="repeat">
-      <a:schemeClr val="tx1"/>
-    </dgm:txFillClrLst>
-    <dgm:txEffectClrLst/>
-  </dgm:styleLbl>
-  <dgm:styleLbl name="parChTrans1D4">
-    <dgm:fillClrLst meth="repeat">
-      <a:schemeClr val="accent1">
-        <a:tint val="70000"/>
-      </a:schemeClr>
-    </dgm:fillClrLst>
-    <dgm:linClrLst meth="repeat">
-      <a:schemeClr val="accent1">
-        <a:tint val="70000"/>
-      </a:schemeClr>
-    </dgm:linClrLst>
-    <dgm:effectClrLst/>
-    <dgm:txLinClrLst/>
-    <dgm:txFillClrLst meth="repeat">
-      <a:schemeClr val="tx1"/>
-    </dgm:txFillClrLst>
-    <dgm:txEffectClrLst/>
-  </dgm:styleLbl>
-  <dgm:styleLbl name="fgAcc1">
-    <dgm:fillClrLst meth="repeat">
-      <a:schemeClr val="lt1">
-        <a:alpha val="90000"/>
-      </a:schemeClr>
-    </dgm:fillClrLst>
-    <dgm:linClrLst>
-      <a:schemeClr val="accent1">
-        <a:shade val="80000"/>
-      </a:schemeClr>
-      <a:schemeClr val="accent1">
-        <a:tint val="70000"/>
-      </a:schemeClr>
-    </dgm:linClrLst>
-    <dgm:effectClrLst/>
-    <dgm:txLinClrLst/>
-    <dgm:txFillClrLst meth="repeat">
-      <a:schemeClr val="dk1"/>
-    </dgm:txFillClrLst>
-    <dgm:txEffectClrLst/>
-  </dgm:styleLbl>
-  <dgm:styleLbl name="conFgAcc1">
-    <dgm:fillClrLst meth="repeat">
-      <a:schemeClr val="lt1">
-        <a:alpha val="90000"/>
-      </a:schemeClr>
-    </dgm:fillClrLst>
-    <dgm:linClrLst>
-      <a:schemeClr val="accent1">
-        <a:shade val="80000"/>
-      </a:schemeClr>
-      <a:schemeClr val="accent1">
-        <a:tint val="70000"/>
-      </a:schemeClr>
-    </dgm:linClrLst>
-    <dgm:effectClrLst/>
-    <dgm:txLinClrLst/>
-    <dgm:txFillClrLst meth="repeat">
-      <a:schemeClr val="dk1"/>
-    </dgm:txFillClrLst>
-    <dgm:txEffectClrLst/>
-  </dgm:styleLbl>
-  <dgm:styleLbl name="alignAcc1">
-    <dgm:fillClrLst meth="repeat">
-      <a:schemeClr val="lt1">
-        <a:alpha val="90000"/>
-      </a:schemeClr>
-    </dgm:fillClrLst>
-    <dgm:linClrLst>
-      <a:schemeClr val="accent1">
-        <a:shade val="80000"/>
-      </a:schemeClr>
-      <a:schemeClr val="accent1">
-        <a:tint val="70000"/>
-      </a:schemeClr>
-    </dgm:linClrLst>
-    <dgm:effectClrLst/>
-    <dgm:txLinClrLst/>
-    <dgm:txFillClrLst meth="repeat">
-      <a:schemeClr val="dk1"/>
-    </dgm:txFillClrLst>
-    <dgm:txEffectClrLst/>
-  </dgm:styleLbl>
-  <dgm:styleLbl name="trAlignAcc1">
-    <dgm:fillClrLst meth="repeat">
-      <a:schemeClr val="lt1">
-        <a:alpha val="40000"/>
-      </a:schemeClr>
-    </dgm:fillClrLst>
-    <dgm:linClrLst meth="repeat">
-      <a:schemeClr val="accent1"/>
-    </dgm:linClrLst>
-    <dgm:effectClrLst/>
-    <dgm:txLinClrLst/>
-    <dgm:txFillClrLst meth="repeat">
-      <a:schemeClr val="dk1"/>
-    </dgm:txFillClrLst>
-    <dgm:txEffectClrLst/>
-  </dgm:styleLbl>
-  <dgm:styleLbl name="bgAcc1">
-    <dgm:fillClrLst meth="repeat">
-      <a:schemeClr val="lt1">
-        <a:alpha val="90000"/>
-      </a:schemeClr>
-    </dgm:fillClrLst>
-    <dgm:linClrLst>
-      <a:schemeClr val="accent1">
-        <a:shade val="80000"/>
-      </a:schemeClr>
-      <a:schemeClr val="accent1">
-        <a:tint val="70000"/>
-      </a:schemeClr>
-    </dgm:linClrLst>
-    <dgm:effectClrLst/>
-    <dgm:txLinClrLst/>
-    <dgm:txFillClrLst meth="repeat">
-      <a:schemeClr val="dk1"/>
-    </dgm:txFillClrLst>
-    <dgm:txEffectClrLst/>
-  </dgm:styleLbl>
-  <dgm:styleLbl name="solidFgAcc1">
-    <dgm:fillClrLst meth="repeat">
-      <a:schemeClr val="lt1"/>
-    </dgm:fillClrLst>
-    <dgm:linClrLst>
-      <a:schemeClr val="accent1">
-        <a:shade val="80000"/>
-      </a:schemeClr>
-      <a:schemeClr val="accent1">
-        <a:tint val="70000"/>
-      </a:schemeClr>
-    </dgm:linClrLst>
-    <dgm:effectClrLst/>
-    <dgm:txLinClrLst/>
-    <dgm:txFillClrLst meth="repeat">
-      <a:schemeClr val="dk1"/>
-    </dgm:txFillClrLst>
-    <dgm:txEffectClrLst/>
-  </dgm:styleLbl>
-  <dgm:styleLbl name="solidAlignAcc1">
-    <dgm:fillClrLst meth="repeat">
-      <a:schemeClr val="lt1"/>
-    </dgm:fillClrLst>
-    <dgm:linClrLst meth="repeat">
-      <a:schemeClr val="accent1"/>
-    </dgm:linClrLst>
-    <dgm:effectClrLst/>
-    <dgm:txLinClrLst/>
-    <dgm:txFillClrLst meth="repeat">
-      <a:schemeClr val="dk1"/>
-    </dgm:txFillClrLst>
-    <dgm:txEffectClrLst/>
-  </dgm:styleLbl>
-  <dgm:styleLbl name="solidBgAcc1">
-    <dgm:fillClrLst meth="repeat">
-      <a:schemeClr val="lt1"/>
-    </dgm:fillClrLst>
-    <dgm:linClrLst meth="repeat">
-      <a:schemeClr val="accent1"/>
-    </dgm:linClrLst>
-    <dgm:effectClrLst/>
-    <dgm:txLinClrLst/>
-    <dgm:txFillClrLst meth="repeat">
-      <a:schemeClr val="dk1"/>
-    </dgm:txFillClrLst>
-    <dgm:txEffectClrLst/>
-  </dgm:styleLbl>
-  <dgm:styleLbl name="fgAccFollowNode1">
-    <dgm:fillClrLst meth="repeat">
-      <a:schemeClr val="accent1">
-        <a:alpha val="90000"/>
-        <a:tint val="40000"/>
-      </a:schemeClr>
-    </dgm:fillClrLst>
-    <dgm:linClrLst meth="repeat">
-      <a:schemeClr val="accent1">
-        <a:alpha val="90000"/>
-        <a:tint val="40000"/>
-      </a:schemeClr>
-    </dgm:linClrLst>
-    <dgm:effectClrLst/>
-    <dgm:txLinClrLst/>
-    <dgm:txFillClrLst meth="repeat">
-      <a:schemeClr val="dk1"/>
-    </dgm:txFillClrLst>
-    <dgm:txEffectClrLst/>
-  </dgm:styleLbl>
-  <dgm:styleLbl name="alignAccFollowNode1">
-    <dgm:fillClrLst meth="repeat">
-      <a:schemeClr val="accent1">
-        <a:alpha val="90000"/>
-        <a:tint val="40000"/>
-      </a:schemeClr>
-    </dgm:fillClrLst>
-    <dgm:linClrLst meth="repeat">
-      <a:schemeClr val="accent1">
-        <a:alpha val="90000"/>
-        <a:tint val="40000"/>
-      </a:schemeClr>
-    </dgm:linClrLst>
-    <dgm:effectClrLst/>
-    <dgm:txLinClrLst/>
-    <dgm:txFillClrLst meth="repeat">
-      <a:schemeClr val="dk1"/>
-    </dgm:txFillClrLst>
-    <dgm:txEffectClrLst/>
-  </dgm:styleLbl>
-  <dgm:styleLbl name="bgAccFollowNode1">
-    <dgm:fillClrLst meth="repeat">
-      <a:schemeClr val="accent1">
-        <a:alpha val="90000"/>
-        <a:tint val="40000"/>
-      </a:schemeClr>
-    </dgm:fillClrLst>
-    <dgm:linClrLst meth="repeat">
-      <a:schemeClr val="lt1"/>
-    </dgm:linClrLst>
-    <dgm:effectClrLst/>
-    <dgm:txLinClrLst/>
-    <dgm:txFillClrLst meth="repeat">
-      <a:schemeClr val="dk1"/>
-    </dgm:txFillClrLst>
-    <dgm:txEffectClrLst/>
-  </dgm:styleLbl>
-  <dgm:styleLbl name="fgAcc0">
-    <dgm:fillClrLst meth="repeat">
-      <a:schemeClr val="lt1">
-        <a:alpha val="90000"/>
-      </a:schemeClr>
-    </dgm:fillClrLst>
-    <dgm:linClrLst meth="repeat">
-      <a:schemeClr val="accent1">
-        <a:shade val="80000"/>
-      </a:schemeClr>
-    </dgm:linClrLst>
-    <dgm:effectClrLst/>
-    <dgm:txLinClrLst/>
-    <dgm:txFillClrLst meth="repeat">
-      <a:schemeClr val="dk1"/>
-    </dgm:txFillClrLst>
-    <dgm:txEffectClrLst/>
-  </dgm:styleLbl>
-  <dgm:styleLbl name="fgAcc2">
-    <dgm:fillClrLst meth="repeat">
-      <a:schemeClr val="lt1">
-        <a:alpha val="90000"/>
-      </a:schemeClr>
-    </dgm:fillClrLst>
-    <dgm:linClrLst meth="repeat">
-      <a:schemeClr val="accent1">
-        <a:tint val="99000"/>
-      </a:schemeClr>
-    </dgm:linClrLst>
-    <dgm:effectClrLst/>
-    <dgm:txLinClrLst/>
-    <dgm:txFillClrLst meth="repeat">
-      <a:schemeClr val="dk1"/>
-    </dgm:txFillClrLst>
-    <dgm:txEffectClrLst/>
-  </dgm:styleLbl>
-  <dgm:styleLbl name="fgAcc3">
-    <dgm:fillClrLst meth="repeat">
-      <a:schemeClr val="lt1">
-        <a:alpha val="90000"/>
-      </a:schemeClr>
-    </dgm:fillClrLst>
-    <dgm:linClrLst meth="repeat">
-      <a:schemeClr val="accent1">
-        <a:tint val="80000"/>
-      </a:schemeClr>
-    </dgm:linClrLst>
-    <dgm:effectClrLst/>
-    <dgm:txLinClrLst/>
-    <dgm:txFillClrLst meth="repeat">
-      <a:schemeClr val="dk1"/>
-    </dgm:txFillClrLst>
-    <dgm:txEffectClrLst/>
-  </dgm:styleLbl>
-  <dgm:styleLbl name="fgAcc4">
-    <dgm:fillClrLst meth="repeat">
-      <a:schemeClr val="lt1">
-        <a:alpha val="90000"/>
-      </a:schemeClr>
-    </dgm:fillClrLst>
-    <dgm:linClrLst meth="repeat">
-      <a:schemeClr val="accent1">
-        <a:tint val="70000"/>
-      </a:schemeClr>
-    </dgm:linClrLst>
-    <dgm:effectClrLst/>
-    <dgm:txLinClrLst/>
-    <dgm:txFillClrLst meth="repeat">
-      <a:schemeClr val="dk1"/>
-    </dgm:txFillClrLst>
-    <dgm:txEffectClrLst/>
-  </dgm:styleLbl>
-  <dgm:styleLbl name="bgShp">
-    <dgm:fillClrLst meth="repeat">
-      <a:schemeClr val="accent1">
-        <a:tint val="40000"/>
-      </a:schemeClr>
-    </dgm:fillClrLst>
-    <dgm:linClrLst meth="repeat">
-      <a:schemeClr val="dk1"/>
-    </dgm:linClrLst>
-    <dgm:effectClrLst/>
-    <dgm:txLinClrLst/>
-    <dgm:txFillClrLst meth="repeat">
-      <a:schemeClr val="dk1"/>
-    </dgm:txFillClrLst>
-    <dgm:txEffectClrLst/>
-  </dgm:styleLbl>
-  <dgm:styleLbl name="dkBgShp">
-    <dgm:fillClrLst meth="repeat">
-      <a:schemeClr val="accent1">
-        <a:shade val="90000"/>
-      </a:schemeClr>
-    </dgm:fillClrLst>
-    <dgm:linClrLst meth="repeat">
-      <a:schemeClr val="dk1"/>
-    </dgm:linClrLst>
-    <dgm:effectClrLst/>
-    <dgm:txLinClrLst/>
-    <dgm:txFillClrLst meth="repeat">
-      <a:schemeClr val="lt1"/>
-    </dgm:txFillClrLst>
-    <dgm:txEffectClrLst/>
-  </dgm:styleLbl>
-  <dgm:styleLbl name="trBgShp">
-    <dgm:fillClrLst meth="repeat">
-      <a:schemeClr val="accent1">
-        <a:tint val="50000"/>
-        <a:alpha val="40000"/>
-      </a:schemeClr>
-    </dgm:fillClrLst>
-    <dgm:linClrLst meth="repeat">
-      <a:schemeClr val="accent1"/>
-    </dgm:linClrLst>
-    <dgm:effectClrLst/>
-    <dgm:txLinClrLst/>
-    <dgm:txFillClrLst meth="repeat">
-      <a:schemeClr val="lt1"/>
-    </dgm:txFillClrLst>
-    <dgm:txEffectClrLst/>
-  </dgm:styleLbl>
-  <dgm:styleLbl name="fgShp">
-    <dgm:fillClrLst meth="repeat">
-      <a:schemeClr val="accent1">
-        <a:tint val="40000"/>
-      </a:schemeClr>
-    </dgm:fillClrLst>
-    <dgm:linClrLst meth="repeat">
-      <a:schemeClr val="lt1"/>
-    </dgm:linClrLst>
-    <dgm:effectClrLst/>
-    <dgm:txLinClrLst/>
-    <dgm:txFillClrLst meth="repeat">
-      <a:schemeClr val="dk1"/>
-    </dgm:txFillClrLst>
-    <dgm:txEffectClrLst/>
-  </dgm:styleLbl>
-  <dgm:styleLbl name="revTx">
-    <dgm:fillClrLst meth="repeat">
-      <a:schemeClr val="lt1">
-        <a:alpha val="0"/>
-      </a:schemeClr>
-    </dgm:fillClrLst>
-    <dgm:linClrLst meth="repeat">
-      <a:schemeClr val="dk1">
-        <a:alpha val="0"/>
-      </a:schemeClr>
-    </dgm:linClrLst>
-    <dgm:effectClrLst/>
-    <dgm:txLinClrLst/>
-    <dgm:txFillClrLst meth="repeat">
-      <a:schemeClr val="tx1"/>
-    </dgm:txFillClrLst>
-    <dgm:txEffectClrLst/>
-  </dgm:styleLbl>
-</dgm:colorsDef>
-</file>
-
-<file path=ppt/diagrams/data1.xml><?xml version="1.0" encoding="utf-8"?>
-<dgm:dataModel xmlns:dgm="http://schemas.openxmlformats.org/drawingml/2006/diagram" xmlns:a="http://schemas.openxmlformats.org/drawingml/2006/main">
-  <dgm:ptLst>
-    <dgm:pt modelId="{F1469E50-24C6-4156-8DAA-6DD0C1079C89}" type="doc">
-      <dgm:prSet loTypeId="urn:microsoft.com/office/officeart/2005/8/layout/gear1" loCatId="relationship" qsTypeId="urn:microsoft.com/office/officeart/2005/8/quickstyle/simple1" qsCatId="simple" csTypeId="urn:microsoft.com/office/officeart/2005/8/colors/accent1_3" csCatId="accent1" phldr="1"/>
-      <dgm:spPr/>
-    </dgm:pt>
-    <dgm:pt modelId="{D0115B0F-FDFB-494B-AC0A-E04A5EC234DA}">
-      <dgm:prSet phldrT="[Text]"/>
-      <dgm:spPr/>
-      <dgm:t>
-        <a:bodyPr/>
-        <a:lstStyle/>
-        <a:p>
-          <a:r>
-            <a:rPr lang="en-US" dirty="0" smtClean="0"/>
-            <a:t>Step 3 Title</a:t>
-          </a:r>
-          <a:endParaRPr lang="en-US" dirty="0"/>
-        </a:p>
-      </dgm:t>
-    </dgm:pt>
-    <dgm:pt modelId="{F3ECE90F-7A47-4472-9560-98DC857F992F}" type="parTrans" cxnId="{CD5AA65A-6000-4F48-85D3-EB084B6F41D0}">
-      <dgm:prSet/>
-      <dgm:spPr/>
-      <dgm:t>
-        <a:bodyPr/>
-        <a:lstStyle/>
-        <a:p>
-          <a:endParaRPr lang="en-US"/>
-        </a:p>
-      </dgm:t>
-    </dgm:pt>
-    <dgm:pt modelId="{39A3B9F5-08CD-49EE-B590-A9FA60312E8F}" type="sibTrans" cxnId="{CD5AA65A-6000-4F48-85D3-EB084B6F41D0}">
-      <dgm:prSet/>
-      <dgm:spPr/>
-      <dgm:t>
-        <a:bodyPr/>
-        <a:lstStyle/>
-        <a:p>
-          <a:endParaRPr lang="en-US"/>
-        </a:p>
-      </dgm:t>
-    </dgm:pt>
-    <dgm:pt modelId="{B294A45F-A097-47D5-8F55-FC668EB3C982}">
-      <dgm:prSet phldrT="[Text]"/>
-      <dgm:spPr/>
-      <dgm:t>
-        <a:bodyPr/>
-        <a:lstStyle/>
-        <a:p>
-          <a:r>
-            <a:rPr lang="en-US" dirty="0" smtClean="0"/>
-            <a:t>Step 2 Title</a:t>
-          </a:r>
-          <a:endParaRPr lang="en-US" dirty="0"/>
-        </a:p>
-      </dgm:t>
-    </dgm:pt>
-    <dgm:pt modelId="{ACBA6356-2F80-466D-9121-489D204B80B8}" type="parTrans" cxnId="{38A955D8-3C8B-463D-BA25-2C9E34FDDEBB}">
-      <dgm:prSet/>
-      <dgm:spPr/>
-      <dgm:t>
-        <a:bodyPr/>
-        <a:lstStyle/>
-        <a:p>
-          <a:endParaRPr lang="en-US"/>
-        </a:p>
-      </dgm:t>
-    </dgm:pt>
-    <dgm:pt modelId="{881A9571-C437-40E4-90E1-61734033862D}" type="sibTrans" cxnId="{38A955D8-3C8B-463D-BA25-2C9E34FDDEBB}">
-      <dgm:prSet/>
-      <dgm:spPr/>
-      <dgm:t>
-        <a:bodyPr/>
-        <a:lstStyle/>
-        <a:p>
-          <a:endParaRPr lang="en-US"/>
-        </a:p>
-      </dgm:t>
-    </dgm:pt>
-    <dgm:pt modelId="{A72F579A-815F-4730-AEB0-052A4E2EADB2}">
-      <dgm:prSet phldrT="[Text]"/>
-      <dgm:spPr/>
-      <dgm:t>
-        <a:bodyPr/>
-        <a:lstStyle/>
-        <a:p>
-          <a:r>
-            <a:rPr lang="en-US" dirty="0" smtClean="0"/>
-            <a:t>Step 1 Title</a:t>
-          </a:r>
-          <a:endParaRPr lang="en-US" dirty="0"/>
-        </a:p>
-      </dgm:t>
-    </dgm:pt>
-    <dgm:pt modelId="{8EA6516C-EB3A-4FC0-BB44-265A3652D4BC}" type="parTrans" cxnId="{D2ECF758-131A-41EE-A789-9D6FDC186481}">
-      <dgm:prSet/>
-      <dgm:spPr/>
-      <dgm:t>
-        <a:bodyPr/>
-        <a:lstStyle/>
-        <a:p>
-          <a:endParaRPr lang="en-US"/>
-        </a:p>
-      </dgm:t>
-    </dgm:pt>
-    <dgm:pt modelId="{6B184F14-5261-4D1F-8701-947EAF068BB3}" type="sibTrans" cxnId="{D2ECF758-131A-41EE-A789-9D6FDC186481}">
-      <dgm:prSet/>
-      <dgm:spPr/>
-      <dgm:t>
-        <a:bodyPr/>
-        <a:lstStyle/>
-        <a:p>
-          <a:endParaRPr lang="en-US"/>
-        </a:p>
-      </dgm:t>
-    </dgm:pt>
-    <dgm:pt modelId="{DF72D2A9-E721-47DF-A758-78A445E0F3CE}" type="pres">
-      <dgm:prSet presAssocID="{F1469E50-24C6-4156-8DAA-6DD0C1079C89}" presName="composite" presStyleCnt="0">
-        <dgm:presLayoutVars>
-          <dgm:chMax val="3"/>
-          <dgm:animLvl val="lvl"/>
-          <dgm:resizeHandles val="exact"/>
-        </dgm:presLayoutVars>
-      </dgm:prSet>
-      <dgm:spPr/>
-    </dgm:pt>
-    <dgm:pt modelId="{519C9BB9-1ADD-4304-93EC-C9FE618B8492}" type="pres">
-      <dgm:prSet presAssocID="{D0115B0F-FDFB-494B-AC0A-E04A5EC234DA}" presName="gear1" presStyleLbl="node1" presStyleIdx="0" presStyleCnt="3">
-        <dgm:presLayoutVars>
-          <dgm:chMax val="1"/>
-          <dgm:bulletEnabled val="1"/>
-        </dgm:presLayoutVars>
-      </dgm:prSet>
-      <dgm:spPr/>
-      <dgm:t>
-        <a:bodyPr/>
-        <a:lstStyle/>
-        <a:p>
-          <a:endParaRPr lang="en-US"/>
-        </a:p>
-      </dgm:t>
-    </dgm:pt>
-    <dgm:pt modelId="{491B49C7-064E-438E-A5AF-D06F604607BC}" type="pres">
-      <dgm:prSet presAssocID="{D0115B0F-FDFB-494B-AC0A-E04A5EC234DA}" presName="gear1srcNode" presStyleLbl="node1" presStyleIdx="0" presStyleCnt="3"/>
-      <dgm:spPr/>
-      <dgm:t>
-        <a:bodyPr/>
-        <a:lstStyle/>
-        <a:p>
-          <a:endParaRPr lang="en-US"/>
-        </a:p>
-      </dgm:t>
-    </dgm:pt>
-    <dgm:pt modelId="{A8AE7A62-856E-43C0-A01E-AB2F291FD15A}" type="pres">
-      <dgm:prSet presAssocID="{D0115B0F-FDFB-494B-AC0A-E04A5EC234DA}" presName="gear1dstNode" presStyleLbl="node1" presStyleIdx="0" presStyleCnt="3"/>
-      <dgm:spPr/>
-      <dgm:t>
-        <a:bodyPr/>
-        <a:lstStyle/>
-        <a:p>
-          <a:endParaRPr lang="en-US"/>
-        </a:p>
-      </dgm:t>
-    </dgm:pt>
-    <dgm:pt modelId="{1CA3202A-9CD1-47F7-9D42-23E46A72BBFC}" type="pres">
-      <dgm:prSet presAssocID="{B294A45F-A097-47D5-8F55-FC668EB3C982}" presName="gear2" presStyleLbl="node1" presStyleIdx="1" presStyleCnt="3">
-        <dgm:presLayoutVars>
-          <dgm:chMax val="1"/>
-          <dgm:bulletEnabled val="1"/>
-        </dgm:presLayoutVars>
-      </dgm:prSet>
-      <dgm:spPr/>
-      <dgm:t>
-        <a:bodyPr/>
-        <a:lstStyle/>
-        <a:p>
-          <a:endParaRPr lang="en-US"/>
-        </a:p>
-      </dgm:t>
-    </dgm:pt>
-    <dgm:pt modelId="{142EE68D-5808-445A-B73B-CEFF75A2773F}" type="pres">
-      <dgm:prSet presAssocID="{B294A45F-A097-47D5-8F55-FC668EB3C982}" presName="gear2srcNode" presStyleLbl="node1" presStyleIdx="1" presStyleCnt="3"/>
-      <dgm:spPr/>
-      <dgm:t>
-        <a:bodyPr/>
-        <a:lstStyle/>
-        <a:p>
-          <a:endParaRPr lang="en-US"/>
-        </a:p>
-      </dgm:t>
-    </dgm:pt>
-    <dgm:pt modelId="{706E9A05-70AC-494E-B29F-F414922DE00D}" type="pres">
-      <dgm:prSet presAssocID="{B294A45F-A097-47D5-8F55-FC668EB3C982}" presName="gear2dstNode" presStyleLbl="node1" presStyleIdx="1" presStyleCnt="3"/>
-      <dgm:spPr/>
-      <dgm:t>
-        <a:bodyPr/>
-        <a:lstStyle/>
-        <a:p>
-          <a:endParaRPr lang="en-US"/>
-        </a:p>
-      </dgm:t>
-    </dgm:pt>
-    <dgm:pt modelId="{11E70583-C9D9-4A1B-9215-04DC48DCBD8D}" type="pres">
-      <dgm:prSet presAssocID="{A72F579A-815F-4730-AEB0-052A4E2EADB2}" presName="gear3" presStyleLbl="node1" presStyleIdx="2" presStyleCnt="3"/>
-      <dgm:spPr/>
-      <dgm:t>
-        <a:bodyPr/>
-        <a:lstStyle/>
-        <a:p>
-          <a:endParaRPr lang="en-US"/>
-        </a:p>
-      </dgm:t>
-    </dgm:pt>
-    <dgm:pt modelId="{1DC90457-DB2A-4C95-A36F-0563F25B6D53}" type="pres">
-      <dgm:prSet presAssocID="{A72F579A-815F-4730-AEB0-052A4E2EADB2}" presName="gear3tx" presStyleLbl="node1" presStyleIdx="2" presStyleCnt="3">
-        <dgm:presLayoutVars>
-          <dgm:chMax val="1"/>
-          <dgm:bulletEnabled val="1"/>
-        </dgm:presLayoutVars>
-      </dgm:prSet>
-      <dgm:spPr/>
-      <dgm:t>
-        <a:bodyPr/>
-        <a:lstStyle/>
-        <a:p>
-          <a:endParaRPr lang="en-US"/>
-        </a:p>
-      </dgm:t>
-    </dgm:pt>
-    <dgm:pt modelId="{E9EE43DE-00F8-4019-BA85-9AFF0B3069A7}" type="pres">
-      <dgm:prSet presAssocID="{A72F579A-815F-4730-AEB0-052A4E2EADB2}" presName="gear3srcNode" presStyleLbl="node1" presStyleIdx="2" presStyleCnt="3"/>
-      <dgm:spPr/>
-      <dgm:t>
-        <a:bodyPr/>
-        <a:lstStyle/>
-        <a:p>
-          <a:endParaRPr lang="en-US"/>
-        </a:p>
-      </dgm:t>
-    </dgm:pt>
-    <dgm:pt modelId="{F86AD8D8-4A96-48C0-A843-3A718641AD56}" type="pres">
-      <dgm:prSet presAssocID="{A72F579A-815F-4730-AEB0-052A4E2EADB2}" presName="gear3dstNode" presStyleLbl="node1" presStyleIdx="2" presStyleCnt="3"/>
-      <dgm:spPr/>
-      <dgm:t>
-        <a:bodyPr/>
-        <a:lstStyle/>
-        <a:p>
-          <a:endParaRPr lang="en-US"/>
-        </a:p>
-      </dgm:t>
-    </dgm:pt>
-    <dgm:pt modelId="{1E72715E-7366-4E78-A512-24F37F5D23DC}" type="pres">
-      <dgm:prSet presAssocID="{39A3B9F5-08CD-49EE-B590-A9FA60312E8F}" presName="connector1" presStyleLbl="sibTrans2D1" presStyleIdx="0" presStyleCnt="3"/>
-      <dgm:spPr/>
-      <dgm:t>
-        <a:bodyPr/>
-        <a:lstStyle/>
-        <a:p>
-          <a:endParaRPr lang="en-US"/>
-        </a:p>
-      </dgm:t>
-    </dgm:pt>
-    <dgm:pt modelId="{BE287C59-37F8-4A31-B5A2-F56A3CB15957}" type="pres">
-      <dgm:prSet presAssocID="{881A9571-C437-40E4-90E1-61734033862D}" presName="connector2" presStyleLbl="sibTrans2D1" presStyleIdx="1" presStyleCnt="3"/>
-      <dgm:spPr/>
-      <dgm:t>
-        <a:bodyPr/>
-        <a:lstStyle/>
-        <a:p>
-          <a:endParaRPr lang="en-US"/>
-        </a:p>
-      </dgm:t>
-    </dgm:pt>
-    <dgm:pt modelId="{2A80456C-D6A1-43C9-80B2-09334D6E033A}" type="pres">
-      <dgm:prSet presAssocID="{6B184F14-5261-4D1F-8701-947EAF068BB3}" presName="connector3" presStyleLbl="sibTrans2D1" presStyleIdx="2" presStyleCnt="3"/>
-      <dgm:spPr/>
-      <dgm:t>
-        <a:bodyPr/>
-        <a:lstStyle/>
-        <a:p>
-          <a:endParaRPr lang="en-US"/>
-        </a:p>
-      </dgm:t>
-    </dgm:pt>
-  </dgm:ptLst>
-  <dgm:cxnLst>
-    <dgm:cxn modelId="{B9B0E059-D79B-4376-8D5C-22FF356A77D3}" type="presOf" srcId="{881A9571-C437-40E4-90E1-61734033862D}" destId="{BE287C59-37F8-4A31-B5A2-F56A3CB15957}" srcOrd="0" destOrd="0" presId="urn:microsoft.com/office/officeart/2005/8/layout/gear1"/>
-    <dgm:cxn modelId="{723C8F22-4AB3-42CC-89EC-756A6438D4F8}" type="presOf" srcId="{B294A45F-A097-47D5-8F55-FC668EB3C982}" destId="{706E9A05-70AC-494E-B29F-F414922DE00D}" srcOrd="2" destOrd="0" presId="urn:microsoft.com/office/officeart/2005/8/layout/gear1"/>
-    <dgm:cxn modelId="{5C012A6F-492C-4216-8D98-1C9CED36B44C}" type="presOf" srcId="{A72F579A-815F-4730-AEB0-052A4E2EADB2}" destId="{E9EE43DE-00F8-4019-BA85-9AFF0B3069A7}" srcOrd="2" destOrd="0" presId="urn:microsoft.com/office/officeart/2005/8/layout/gear1"/>
-    <dgm:cxn modelId="{5642BDE9-C21A-403B-9DBE-C06C15AD6197}" type="presOf" srcId="{A72F579A-815F-4730-AEB0-052A4E2EADB2}" destId="{F86AD8D8-4A96-48C0-A843-3A718641AD56}" srcOrd="3" destOrd="0" presId="urn:microsoft.com/office/officeart/2005/8/layout/gear1"/>
-    <dgm:cxn modelId="{CD5AA65A-6000-4F48-85D3-EB084B6F41D0}" srcId="{F1469E50-24C6-4156-8DAA-6DD0C1079C89}" destId="{D0115B0F-FDFB-494B-AC0A-E04A5EC234DA}" srcOrd="0" destOrd="0" parTransId="{F3ECE90F-7A47-4472-9560-98DC857F992F}" sibTransId="{39A3B9F5-08CD-49EE-B590-A9FA60312E8F}"/>
-    <dgm:cxn modelId="{A67BBC1F-E27A-45A3-97D8-DB5273212B10}" type="presOf" srcId="{B294A45F-A097-47D5-8F55-FC668EB3C982}" destId="{1CA3202A-9CD1-47F7-9D42-23E46A72BBFC}" srcOrd="0" destOrd="0" presId="urn:microsoft.com/office/officeart/2005/8/layout/gear1"/>
-    <dgm:cxn modelId="{F00F5FF9-8EEF-4575-883E-9FECBCDECA1B}" type="presOf" srcId="{39A3B9F5-08CD-49EE-B590-A9FA60312E8F}" destId="{1E72715E-7366-4E78-A512-24F37F5D23DC}" srcOrd="0" destOrd="0" presId="urn:microsoft.com/office/officeart/2005/8/layout/gear1"/>
-    <dgm:cxn modelId="{C2825D01-7009-4C7A-9735-E3DA9B56907F}" type="presOf" srcId="{F1469E50-24C6-4156-8DAA-6DD0C1079C89}" destId="{DF72D2A9-E721-47DF-A758-78A445E0F3CE}" srcOrd="0" destOrd="0" presId="urn:microsoft.com/office/officeart/2005/8/layout/gear1"/>
-    <dgm:cxn modelId="{64245054-BF6B-45A8-B6B4-5E3294B19593}" type="presOf" srcId="{A72F579A-815F-4730-AEB0-052A4E2EADB2}" destId="{11E70583-C9D9-4A1B-9215-04DC48DCBD8D}" srcOrd="0" destOrd="0" presId="urn:microsoft.com/office/officeart/2005/8/layout/gear1"/>
-    <dgm:cxn modelId="{05A23107-95A6-48BA-9C15-320B2C8DBD9C}" type="presOf" srcId="{D0115B0F-FDFB-494B-AC0A-E04A5EC234DA}" destId="{A8AE7A62-856E-43C0-A01E-AB2F291FD15A}" srcOrd="2" destOrd="0" presId="urn:microsoft.com/office/officeart/2005/8/layout/gear1"/>
-    <dgm:cxn modelId="{38A955D8-3C8B-463D-BA25-2C9E34FDDEBB}" srcId="{F1469E50-24C6-4156-8DAA-6DD0C1079C89}" destId="{B294A45F-A097-47D5-8F55-FC668EB3C982}" srcOrd="1" destOrd="0" parTransId="{ACBA6356-2F80-466D-9121-489D204B80B8}" sibTransId="{881A9571-C437-40E4-90E1-61734033862D}"/>
-    <dgm:cxn modelId="{E0F29509-14D9-447A-A12F-C58EB915A87F}" type="presOf" srcId="{D0115B0F-FDFB-494B-AC0A-E04A5EC234DA}" destId="{519C9BB9-1ADD-4304-93EC-C9FE618B8492}" srcOrd="0" destOrd="0" presId="urn:microsoft.com/office/officeart/2005/8/layout/gear1"/>
-    <dgm:cxn modelId="{78D93DA3-71DA-4B27-AF7D-4F6F06818383}" type="presOf" srcId="{6B184F14-5261-4D1F-8701-947EAF068BB3}" destId="{2A80456C-D6A1-43C9-80B2-09334D6E033A}" srcOrd="0" destOrd="0" presId="urn:microsoft.com/office/officeart/2005/8/layout/gear1"/>
-    <dgm:cxn modelId="{F848FB20-E105-42B8-A2CB-C9B380751AC8}" type="presOf" srcId="{B294A45F-A097-47D5-8F55-FC668EB3C982}" destId="{142EE68D-5808-445A-B73B-CEFF75A2773F}" srcOrd="1" destOrd="0" presId="urn:microsoft.com/office/officeart/2005/8/layout/gear1"/>
-    <dgm:cxn modelId="{EBF6C241-6C40-4A2E-84BC-B52B0944EC7E}" type="presOf" srcId="{A72F579A-815F-4730-AEB0-052A4E2EADB2}" destId="{1DC90457-DB2A-4C95-A36F-0563F25B6D53}" srcOrd="1" destOrd="0" presId="urn:microsoft.com/office/officeart/2005/8/layout/gear1"/>
-    <dgm:cxn modelId="{D2ECF758-131A-41EE-A789-9D6FDC186481}" srcId="{F1469E50-24C6-4156-8DAA-6DD0C1079C89}" destId="{A72F579A-815F-4730-AEB0-052A4E2EADB2}" srcOrd="2" destOrd="0" parTransId="{8EA6516C-EB3A-4FC0-BB44-265A3652D4BC}" sibTransId="{6B184F14-5261-4D1F-8701-947EAF068BB3}"/>
-    <dgm:cxn modelId="{D3CAA15F-809B-449B-B4C7-F52EC4A84ECE}" type="presOf" srcId="{D0115B0F-FDFB-494B-AC0A-E04A5EC234DA}" destId="{491B49C7-064E-438E-A5AF-D06F604607BC}" srcOrd="1" destOrd="0" presId="urn:microsoft.com/office/officeart/2005/8/layout/gear1"/>
-    <dgm:cxn modelId="{AD820DF2-DF49-4404-8EB2-21B39A3FB116}" type="presParOf" srcId="{DF72D2A9-E721-47DF-A758-78A445E0F3CE}" destId="{519C9BB9-1ADD-4304-93EC-C9FE618B8492}" srcOrd="0" destOrd="0" presId="urn:microsoft.com/office/officeart/2005/8/layout/gear1"/>
-    <dgm:cxn modelId="{5FCC70D7-F25D-4F83-B73B-CC9743E22AA2}" type="presParOf" srcId="{DF72D2A9-E721-47DF-A758-78A445E0F3CE}" destId="{491B49C7-064E-438E-A5AF-D06F604607BC}" srcOrd="1" destOrd="0" presId="urn:microsoft.com/office/officeart/2005/8/layout/gear1"/>
-    <dgm:cxn modelId="{99063BC2-9488-46FC-8DF6-8441C24C3965}" type="presParOf" srcId="{DF72D2A9-E721-47DF-A758-78A445E0F3CE}" destId="{A8AE7A62-856E-43C0-A01E-AB2F291FD15A}" srcOrd="2" destOrd="0" presId="urn:microsoft.com/office/officeart/2005/8/layout/gear1"/>
-    <dgm:cxn modelId="{A0BC6D19-907A-47D7-A08F-5D179F64EECA}" type="presParOf" srcId="{DF72D2A9-E721-47DF-A758-78A445E0F3CE}" destId="{1CA3202A-9CD1-47F7-9D42-23E46A72BBFC}" srcOrd="3" destOrd="0" presId="urn:microsoft.com/office/officeart/2005/8/layout/gear1"/>
-    <dgm:cxn modelId="{A3B8BF3C-AC9A-49CC-B2EF-B4679D8DF0C6}" type="presParOf" srcId="{DF72D2A9-E721-47DF-A758-78A445E0F3CE}" destId="{142EE68D-5808-445A-B73B-CEFF75A2773F}" srcOrd="4" destOrd="0" presId="urn:microsoft.com/office/officeart/2005/8/layout/gear1"/>
-    <dgm:cxn modelId="{F5C1E3F4-99F8-4BD4-BD0B-C5FE69FE5223}" type="presParOf" srcId="{DF72D2A9-E721-47DF-A758-78A445E0F3CE}" destId="{706E9A05-70AC-494E-B29F-F414922DE00D}" srcOrd="5" destOrd="0" presId="urn:microsoft.com/office/officeart/2005/8/layout/gear1"/>
-    <dgm:cxn modelId="{FCC3D189-BC5D-47B0-92BA-5A107E436E22}" type="presParOf" srcId="{DF72D2A9-E721-47DF-A758-78A445E0F3CE}" destId="{11E70583-C9D9-4A1B-9215-04DC48DCBD8D}" srcOrd="6" destOrd="0" presId="urn:microsoft.com/office/officeart/2005/8/layout/gear1"/>
-    <dgm:cxn modelId="{DFFA59B1-FFDD-46BE-8FA1-73C7504494F7}" type="presParOf" srcId="{DF72D2A9-E721-47DF-A758-78A445E0F3CE}" destId="{1DC90457-DB2A-4C95-A36F-0563F25B6D53}" srcOrd="7" destOrd="0" presId="urn:microsoft.com/office/officeart/2005/8/layout/gear1"/>
-    <dgm:cxn modelId="{FB52C3EF-7F00-44BF-9DC3-4F3DB8AE4938}" type="presParOf" srcId="{DF72D2A9-E721-47DF-A758-78A445E0F3CE}" destId="{E9EE43DE-00F8-4019-BA85-9AFF0B3069A7}" srcOrd="8" destOrd="0" presId="urn:microsoft.com/office/officeart/2005/8/layout/gear1"/>
-    <dgm:cxn modelId="{A0EEF6B1-DF0D-4309-97B7-44A898FB6001}" type="presParOf" srcId="{DF72D2A9-E721-47DF-A758-78A445E0F3CE}" destId="{F86AD8D8-4A96-48C0-A843-3A718641AD56}" srcOrd="9" destOrd="0" presId="urn:microsoft.com/office/officeart/2005/8/layout/gear1"/>
-    <dgm:cxn modelId="{2B9DD819-AFC3-413F-B930-1FC87889253A}" type="presParOf" srcId="{DF72D2A9-E721-47DF-A758-78A445E0F3CE}" destId="{1E72715E-7366-4E78-A512-24F37F5D23DC}" srcOrd="10" destOrd="0" presId="urn:microsoft.com/office/officeart/2005/8/layout/gear1"/>
-    <dgm:cxn modelId="{E12A6285-B30D-4A0B-9086-69D1D9BB4F11}" type="presParOf" srcId="{DF72D2A9-E721-47DF-A758-78A445E0F3CE}" destId="{BE287C59-37F8-4A31-B5A2-F56A3CB15957}" srcOrd="11" destOrd="0" presId="urn:microsoft.com/office/officeart/2005/8/layout/gear1"/>
-    <dgm:cxn modelId="{AE1DDF6A-5091-4106-9D09-6702BC865C7A}" type="presParOf" srcId="{DF72D2A9-E721-47DF-A758-78A445E0F3CE}" destId="{2A80456C-D6A1-43C9-80B2-09334D6E033A}" srcOrd="12" destOrd="0" presId="urn:microsoft.com/office/officeart/2005/8/layout/gear1"/>
-  </dgm:cxnLst>
-  <dgm:bg/>
-  <dgm:whole/>
-  <dgm:extLst>
-    <a:ext uri="http://schemas.microsoft.com/office/drawing/2008/diagram">
-      <dsp:dataModelExt xmlns:dsp="http://schemas.microsoft.com/office/drawing/2008/diagram" relId="rId6" minVer="http://schemas.openxmlformats.org/drawingml/2006/diagram"/>
-    </a:ext>
-  </dgm:extLst>
-</dgm:dataModel>
-</file>
-
-<file path=ppt/diagrams/drawing1.xml><?xml version="1.0" encoding="utf-8"?>
-<dsp:drawing xmlns:dgm="http://schemas.openxmlformats.org/drawingml/2006/diagram" xmlns:dsp="http://schemas.microsoft.com/office/drawing/2008/diagram" xmlns:a="http://schemas.openxmlformats.org/drawingml/2006/main">
-  <dsp:spTree>
-    <dsp:nvGrpSpPr>
-      <dsp:cNvPr id="0" name=""/>
-      <dsp:cNvGrpSpPr/>
-    </dsp:nvGrpSpPr>
-    <dsp:grpSpPr/>
-    <dsp:sp modelId="{519C9BB9-1ADD-4304-93EC-C9FE618B8492}">
-      <dsp:nvSpPr>
-        <dsp:cNvPr id="0" name=""/>
-        <dsp:cNvSpPr/>
-      </dsp:nvSpPr>
-      <dsp:spPr>
-        <a:xfrm>
-          <a:off x="2024776" y="2008108"/>
-          <a:ext cx="2454354" cy="2454354"/>
-        </a:xfrm>
-        <a:prstGeom prst="gear9">
-          <a:avLst/>
-        </a:prstGeom>
-        <a:solidFill>
-          <a:schemeClr val="accent1">
-            <a:shade val="80000"/>
-            <a:hueOff val="0"/>
-            <a:satOff val="0"/>
-            <a:lumOff val="0"/>
-            <a:alphaOff val="0"/>
-          </a:schemeClr>
-        </a:solidFill>
-        <a:ln w="12700" cap="flat" cmpd="sng" algn="ctr">
-          <a:solidFill>
-            <a:schemeClr val="lt1">
-              <a:hueOff val="0"/>
-              <a:satOff val="0"/>
-              <a:lumOff val="0"/>
-              <a:alphaOff val="0"/>
-            </a:schemeClr>
-          </a:solidFill>
-          <a:prstDash val="solid"/>
-          <a:miter lim="800000"/>
-        </a:ln>
-        <a:effectLst/>
-      </dsp:spPr>
-      <dsp:style>
-        <a:lnRef idx="2">
-          <a:scrgbClr r="0" g="0" b="0"/>
-        </a:lnRef>
-        <a:fillRef idx="1">
-          <a:scrgbClr r="0" g="0" b="0"/>
-        </a:fillRef>
-        <a:effectRef idx="0">
-          <a:scrgbClr r="0" g="0" b="0"/>
-        </a:effectRef>
-        <a:fontRef idx="minor">
-          <a:schemeClr val="lt1"/>
-        </a:fontRef>
-      </dsp:style>
-      <dsp:txBody>
-        <a:bodyPr spcFirstLastPara="0" vert="horz" wrap="square" lIns="31750" tIns="31750" rIns="31750" bIns="31750" numCol="1" spcCol="1270" anchor="ctr" anchorCtr="0">
-          <a:noAutofit/>
-        </a:bodyPr>
-        <a:lstStyle/>
-        <a:p>
-          <a:pPr lvl="0" algn="ctr" defTabSz="1111250">
-            <a:lnSpc>
-              <a:spcPct val="90000"/>
-            </a:lnSpc>
-            <a:spcBef>
-              <a:spcPct val="0"/>
-            </a:spcBef>
-            <a:spcAft>
-              <a:spcPct val="35000"/>
-            </a:spcAft>
-          </a:pPr>
-          <a:r>
-            <a:rPr lang="en-US" sz="2500" kern="1200" dirty="0" smtClean="0"/>
-            <a:t>Step 3 Title</a:t>
-          </a:r>
-          <a:endParaRPr lang="en-US" sz="2500" kern="1200" dirty="0"/>
-        </a:p>
-      </dsp:txBody>
-      <dsp:txXfrm>
-        <a:off x="2518210" y="2583029"/>
-        <a:ext cx="1467486" cy="1261588"/>
-      </dsp:txXfrm>
-    </dsp:sp>
-    <dsp:sp modelId="{1CA3202A-9CD1-47F7-9D42-23E46A72BBFC}">
-      <dsp:nvSpPr>
-        <dsp:cNvPr id="0" name=""/>
-        <dsp:cNvSpPr/>
-      </dsp:nvSpPr>
-      <dsp:spPr>
-        <a:xfrm>
-          <a:off x="596788" y="1427988"/>
-          <a:ext cx="1784985" cy="1784985"/>
-        </a:xfrm>
-        <a:prstGeom prst="gear6">
-          <a:avLst/>
-        </a:prstGeom>
-        <a:solidFill>
-          <a:schemeClr val="accent1">
-            <a:shade val="80000"/>
-            <a:hueOff val="213834"/>
-            <a:satOff val="-21230"/>
-            <a:lumOff val="17109"/>
-            <a:alphaOff val="0"/>
-          </a:schemeClr>
-        </a:solidFill>
-        <a:ln w="12700" cap="flat" cmpd="sng" algn="ctr">
-          <a:solidFill>
-            <a:schemeClr val="lt1">
-              <a:hueOff val="0"/>
-              <a:satOff val="0"/>
-              <a:lumOff val="0"/>
-              <a:alphaOff val="0"/>
-            </a:schemeClr>
-          </a:solidFill>
-          <a:prstDash val="solid"/>
-          <a:miter lim="800000"/>
-        </a:ln>
-        <a:effectLst/>
-      </dsp:spPr>
-      <dsp:style>
-        <a:lnRef idx="2">
-          <a:scrgbClr r="0" g="0" b="0"/>
-        </a:lnRef>
-        <a:fillRef idx="1">
-          <a:scrgbClr r="0" g="0" b="0"/>
-        </a:fillRef>
-        <a:effectRef idx="0">
-          <a:scrgbClr r="0" g="0" b="0"/>
-        </a:effectRef>
-        <a:fontRef idx="minor">
-          <a:schemeClr val="lt1"/>
-        </a:fontRef>
-      </dsp:style>
-      <dsp:txBody>
-        <a:bodyPr spcFirstLastPara="0" vert="horz" wrap="square" lIns="31750" tIns="31750" rIns="31750" bIns="31750" numCol="1" spcCol="1270" anchor="ctr" anchorCtr="0">
-          <a:noAutofit/>
-        </a:bodyPr>
-        <a:lstStyle/>
-        <a:p>
-          <a:pPr lvl="0" algn="ctr" defTabSz="1111250">
-            <a:lnSpc>
-              <a:spcPct val="90000"/>
-            </a:lnSpc>
-            <a:spcBef>
-              <a:spcPct val="0"/>
-            </a:spcBef>
-            <a:spcAft>
-              <a:spcPct val="35000"/>
-            </a:spcAft>
-          </a:pPr>
-          <a:r>
-            <a:rPr lang="en-US" sz="2500" kern="1200" dirty="0" smtClean="0"/>
-            <a:t>Step 2 Title</a:t>
-          </a:r>
-          <a:endParaRPr lang="en-US" sz="2500" kern="1200" dirty="0"/>
-        </a:p>
-      </dsp:txBody>
-      <dsp:txXfrm>
-        <a:off x="1046163" y="1880079"/>
-        <a:ext cx="886235" cy="880803"/>
-      </dsp:txXfrm>
-    </dsp:sp>
-    <dsp:sp modelId="{11E70583-C9D9-4A1B-9215-04DC48DCBD8D}">
-      <dsp:nvSpPr>
-        <dsp:cNvPr id="0" name=""/>
-        <dsp:cNvSpPr/>
-      </dsp:nvSpPr>
-      <dsp:spPr>
-        <a:xfrm rot="20700000">
-          <a:off x="1596562" y="196530"/>
-          <a:ext cx="1748921" cy="1748921"/>
-        </a:xfrm>
-        <a:prstGeom prst="gear6">
-          <a:avLst/>
-        </a:prstGeom>
-        <a:solidFill>
-          <a:schemeClr val="accent1">
-            <a:shade val="80000"/>
-            <a:hueOff val="427667"/>
-            <a:satOff val="-42460"/>
-            <a:lumOff val="34218"/>
-            <a:alphaOff val="0"/>
-          </a:schemeClr>
-        </a:solidFill>
-        <a:ln w="12700" cap="flat" cmpd="sng" algn="ctr">
-          <a:solidFill>
-            <a:schemeClr val="lt1">
-              <a:hueOff val="0"/>
-              <a:satOff val="0"/>
-              <a:lumOff val="0"/>
-              <a:alphaOff val="0"/>
-            </a:schemeClr>
-          </a:solidFill>
-          <a:prstDash val="solid"/>
-          <a:miter lim="800000"/>
-        </a:ln>
-        <a:effectLst/>
-      </dsp:spPr>
-      <dsp:style>
-        <a:lnRef idx="2">
-          <a:scrgbClr r="0" g="0" b="0"/>
-        </a:lnRef>
-        <a:fillRef idx="1">
-          <a:scrgbClr r="0" g="0" b="0"/>
-        </a:fillRef>
-        <a:effectRef idx="0">
-          <a:scrgbClr r="0" g="0" b="0"/>
-        </a:effectRef>
-        <a:fontRef idx="minor">
-          <a:schemeClr val="lt1"/>
-        </a:fontRef>
-      </dsp:style>
-      <dsp:txBody>
-        <a:bodyPr spcFirstLastPara="0" vert="horz" wrap="square" lIns="31750" tIns="31750" rIns="31750" bIns="31750" numCol="1" spcCol="1270" anchor="ctr" anchorCtr="0">
-          <a:noAutofit/>
-        </a:bodyPr>
-        <a:lstStyle/>
-        <a:p>
-          <a:pPr lvl="0" algn="ctr" defTabSz="1111250">
-            <a:lnSpc>
-              <a:spcPct val="90000"/>
-            </a:lnSpc>
-            <a:spcBef>
-              <a:spcPct val="0"/>
-            </a:spcBef>
-            <a:spcAft>
-              <a:spcPct val="35000"/>
-            </a:spcAft>
-          </a:pPr>
-          <a:r>
-            <a:rPr lang="en-US" sz="2500" kern="1200" dirty="0" smtClean="0"/>
-            <a:t>Step 1 Title</a:t>
-          </a:r>
-          <a:endParaRPr lang="en-US" sz="2500" kern="1200" dirty="0"/>
-        </a:p>
-      </dsp:txBody>
-      <dsp:txXfrm rot="-20700000">
-        <a:off x="1980152" y="580120"/>
-        <a:ext cx="981741" cy="981741"/>
-      </dsp:txXfrm>
-    </dsp:sp>
-    <dsp:sp modelId="{1E72715E-7366-4E78-A512-24F37F5D23DC}">
-      <dsp:nvSpPr>
-        <dsp:cNvPr id="0" name=""/>
-        <dsp:cNvSpPr/>
-      </dsp:nvSpPr>
-      <dsp:spPr>
-        <a:xfrm>
-          <a:off x="1839004" y="1636070"/>
-          <a:ext cx="3141573" cy="3141573"/>
-        </a:xfrm>
-        <a:prstGeom prst="circularArrow">
-          <a:avLst>
-            <a:gd name="adj1" fmla="val 4688"/>
-            <a:gd name="adj2" fmla="val 299029"/>
-            <a:gd name="adj3" fmla="val 2522244"/>
-            <a:gd name="adj4" fmla="val 15848245"/>
-            <a:gd name="adj5" fmla="val 5469"/>
-          </a:avLst>
-        </a:prstGeom>
-        <a:solidFill>
-          <a:schemeClr val="accent1">
-            <a:shade val="90000"/>
-            <a:hueOff val="0"/>
-            <a:satOff val="0"/>
-            <a:lumOff val="0"/>
-            <a:alphaOff val="0"/>
-          </a:schemeClr>
-        </a:solidFill>
-        <a:ln>
-          <a:noFill/>
-        </a:ln>
-        <a:effectLst/>
-      </dsp:spPr>
-      <dsp:style>
-        <a:lnRef idx="0">
-          <a:scrgbClr r="0" g="0" b="0"/>
-        </a:lnRef>
-        <a:fillRef idx="1">
-          <a:scrgbClr r="0" g="0" b="0"/>
-        </a:fillRef>
-        <a:effectRef idx="0">
-          <a:scrgbClr r="0" g="0" b="0"/>
-        </a:effectRef>
-        <a:fontRef idx="minor">
-          <a:schemeClr val="lt1"/>
-        </a:fontRef>
-      </dsp:style>
-    </dsp:sp>
-    <dsp:sp modelId="{BE287C59-37F8-4A31-B5A2-F56A3CB15957}">
-      <dsp:nvSpPr>
-        <dsp:cNvPr id="0" name=""/>
-        <dsp:cNvSpPr/>
-      </dsp:nvSpPr>
-      <dsp:spPr>
-        <a:xfrm>
-          <a:off x="280671" y="1031887"/>
-          <a:ext cx="2282549" cy="2282549"/>
-        </a:xfrm>
-        <a:prstGeom prst="leftCircularArrow">
-          <a:avLst>
-            <a:gd name="adj1" fmla="val 6452"/>
-            <a:gd name="adj2" fmla="val 429999"/>
-            <a:gd name="adj3" fmla="val 10489124"/>
-            <a:gd name="adj4" fmla="val 14837806"/>
-            <a:gd name="adj5" fmla="val 7527"/>
-          </a:avLst>
-        </a:prstGeom>
-        <a:solidFill>
-          <a:schemeClr val="accent1">
-            <a:shade val="90000"/>
-            <a:hueOff val="213888"/>
-            <a:satOff val="-20957"/>
-            <a:lumOff val="16104"/>
-            <a:alphaOff val="0"/>
-          </a:schemeClr>
-        </a:solidFill>
-        <a:ln>
-          <a:noFill/>
-        </a:ln>
-        <a:effectLst/>
-      </dsp:spPr>
-      <dsp:style>
-        <a:lnRef idx="0">
-          <a:scrgbClr r="0" g="0" b="0"/>
-        </a:lnRef>
-        <a:fillRef idx="1">
-          <a:scrgbClr r="0" g="0" b="0"/>
-        </a:fillRef>
-        <a:effectRef idx="0">
-          <a:scrgbClr r="0" g="0" b="0"/>
-        </a:effectRef>
-        <a:fontRef idx="minor">
-          <a:schemeClr val="lt1"/>
-        </a:fontRef>
-      </dsp:style>
-    </dsp:sp>
-    <dsp:sp modelId="{2A80456C-D6A1-43C9-80B2-09334D6E033A}">
-      <dsp:nvSpPr>
-        <dsp:cNvPr id="0" name=""/>
-        <dsp:cNvSpPr/>
-      </dsp:nvSpPr>
-      <dsp:spPr>
-        <a:xfrm>
-          <a:off x="1192019" y="-187699"/>
-          <a:ext cx="2461048" cy="2461048"/>
-        </a:xfrm>
-        <a:prstGeom prst="circularArrow">
-          <a:avLst>
-            <a:gd name="adj1" fmla="val 5984"/>
-            <a:gd name="adj2" fmla="val 394124"/>
-            <a:gd name="adj3" fmla="val 13313824"/>
-            <a:gd name="adj4" fmla="val 10508221"/>
-            <a:gd name="adj5" fmla="val 6981"/>
-          </a:avLst>
-        </a:prstGeom>
-        <a:solidFill>
-          <a:schemeClr val="accent1">
-            <a:shade val="90000"/>
-            <a:hueOff val="427776"/>
-            <a:satOff val="-41914"/>
-            <a:lumOff val="32207"/>
-            <a:alphaOff val="0"/>
-          </a:schemeClr>
-        </a:solidFill>
-        <a:ln>
-          <a:noFill/>
-        </a:ln>
-        <a:effectLst/>
-      </dsp:spPr>
-      <dsp:style>
-        <a:lnRef idx="0">
-          <a:scrgbClr r="0" g="0" b="0"/>
-        </a:lnRef>
-        <a:fillRef idx="1">
-          <a:scrgbClr r="0" g="0" b="0"/>
-        </a:fillRef>
-        <a:effectRef idx="0">
-          <a:scrgbClr r="0" g="0" b="0"/>
-        </a:effectRef>
-        <a:fontRef idx="minor">
-          <a:schemeClr val="lt1"/>
-        </a:fontRef>
-      </dsp:style>
-    </dsp:sp>
-  </dsp:spTree>
-</dsp:drawing>
-</file>
-
-<file path=ppt/diagrams/layout1.xml><?xml version="1.0" encoding="utf-8"?>
-<dgm:layoutDef xmlns:dgm="http://schemas.openxmlformats.org/drawingml/2006/diagram" xmlns:a="http://schemas.openxmlformats.org/drawingml/2006/main" uniqueId="urn:microsoft.com/office/officeart/2005/8/layout/gear1">
-  <dgm:title val=""/>
-  <dgm:desc val=""/>
-  <dgm:catLst>
-    <dgm:cat type="relationship" pri="3000"/>
-    <dgm:cat type="process" pri="28000"/>
-    <dgm:cat type="cycle" pri="14000"/>
-  </dgm:catLst>
-  <dgm:sampData useDef="1">
-    <dgm:dataModel>
-      <dgm:ptLst/>
-      <dgm:bg/>
-      <dgm:whole/>
-    </dgm:dataModel>
-  </dgm:sampData>
-  <dgm:styleData>
-    <dgm:dataModel>
-      <dgm:ptLst>
-        <dgm:pt modelId="0" type="doc"/>
-        <dgm:pt modelId="1"/>
-        <dgm:pt modelId="2"/>
-      </dgm:ptLst>
-      <dgm:cxnLst>
-        <dgm:cxn modelId="3" srcId="0" destId="1" srcOrd="0" destOrd="0"/>
-        <dgm:cxn modelId="4" srcId="0" destId="2" srcOrd="1" destOrd="0"/>
-      </dgm:cxnLst>
-      <dgm:bg/>
-      <dgm:whole/>
-    </dgm:dataModel>
-  </dgm:styleData>
-  <dgm:clrData useDef="1">
-    <dgm:dataModel>
-      <dgm:ptLst/>
-      <dgm:bg/>
-      <dgm:whole/>
-    </dgm:dataModel>
-  </dgm:clrData>
-  <dgm:layoutNode name="composite">
-    <dgm:varLst>
-      <dgm:chMax val="3"/>
-      <dgm:animLvl val="lvl"/>
-      <dgm:resizeHandles val="exact"/>
-    </dgm:varLst>
-    <dgm:alg type="composite">
-      <dgm:param type="ar" val="1"/>
-    </dgm:alg>
-    <dgm:shape xmlns:r="http://schemas.openxmlformats.org/officeDocument/2006/relationships" r:blip="">
-      <dgm:adjLst/>
-    </dgm:shape>
-    <dgm:presOf/>
-    <dgm:choose name="Name0">
-      <dgm:if name="Name1" axis="ch" ptType="node" func="cnt" op="lte" val="1">
-        <dgm:constrLst>
-          <dgm:constr type="primFontSz" for="ch" ptType="node" op="equ" val="65"/>
-          <dgm:constr type="w" for="ch" forName="gear1" refType="w" fact="0.55"/>
-          <dgm:constr type="h" for="ch" forName="gear1" refType="w" fact="0.55"/>
-          <dgm:constr type="l" for="ch" forName="gear1" refType="w" fact="0.05"/>
-          <dgm:constr type="t" for="ch" forName="gear1" refType="w" fact="0.05"/>
-          <dgm:constr type="w" for="ch" forName="gear1srcNode" val="1"/>
-          <dgm:constr type="h" for="ch" forName="gear1srcNode" val="1"/>
-          <dgm:constr type="l" for="ch" forName="gear1srcNode" refType="w" fact="0.32"/>
-          <dgm:constr type="t" for="ch" forName="gear1srcNode"/>
-          <dgm:constr type="w" for="ch" forName="gear1dstNode" val="1"/>
-          <dgm:constr type="h" for="ch" forName="gear1dstNode" val="1"/>
-          <dgm:constr type="r" for="ch" forName="gear1dstNode" refType="w" fact="0.58"/>
-          <dgm:constr type="t" for="ch" forName="gear1dstNode" refType="h" fact="0.55"/>
-          <dgm:constr type="diam" for="des" forName="connector1" refType="w" refFor="ch" refForName="gear1" op="equ" fact="1.1"/>
-          <dgm:constr type="h" for="des" forName="connector1" refType="w" refFor="ch" refForName="gear1" op="equ" fact="0.1"/>
-          <dgm:constr type="w" for="ch" forName="gear1ch" refType="w" fact="0.35"/>
-          <dgm:constr type="h" for="ch" forName="gear1ch" refType="w" refFor="ch" refForName="gear1ch" fact="0.6"/>
-          <dgm:constr type="l" for="ch" forName="gear1ch"/>
-          <dgm:constr type="b" for="ch" forName="gear1ch" refType="h" fact="0.6"/>
-        </dgm:constrLst>
-      </dgm:if>
-      <dgm:if name="Name2" axis="ch" ptType="node" func="cnt" op="equ" val="2">
-        <dgm:constrLst>
-          <dgm:constr type="primFontSz" for="ch" ptType="node" op="equ" val="65"/>
-          <dgm:constr type="w" for="ch" forName="gear1" refType="w" fact="0.55"/>
-          <dgm:constr type="h" for="ch" forName="gear1" refType="w" fact="0.55"/>
-          <dgm:constr type="l" for="ch" forName="gear1" refType="w" fact="0.45"/>
-          <dgm:constr type="t" for="ch" forName="gear1" refType="w" fact="0.25"/>
-          <dgm:constr type="w" for="ch" forName="gear1srcNode" val="1"/>
-          <dgm:constr type="h" for="ch" forName="gear1srcNode" val="1"/>
-          <dgm:constr type="l" for="ch" forName="gear1srcNode" refType="w" fact="0.72"/>
-          <dgm:constr type="t" for="ch" forName="gear1srcNode" refType="w" fact="0.2"/>
-          <dgm:constr type="w" for="ch" forName="gear1dstNode" val="1"/>
-          <dgm:constr type="h" for="ch" forName="gear1dstNode" val="1"/>
-          <dgm:constr type="r" for="ch" forName="gear1dstNode" refType="w" fact="0.98"/>
-          <dgm:constr type="t" for="ch" forName="gear1dstNode" refType="h" fact="0.75"/>
-          <dgm:constr type="diam" for="des" forName="connector1" refType="w" refFor="ch" refForName="gear1" op="equ" fact="1.1"/>
-          <dgm:constr type="h" for="des" forName="connector1" refType="w" refFor="ch" refForName="gear1" op="equ" fact="0.1"/>
-          <dgm:constr type="w" for="ch" forName="gear1ch" refType="w" fact="0.35"/>
-          <dgm:constr type="h" for="ch" forName="gear1ch" refType="w" refFor="ch" refForName="gear1ch" fact="0.6"/>
-          <dgm:constr type="l" for="ch" forName="gear1ch" refType="w" fact="0.38"/>
-          <dgm:constr type="b" for="ch" forName="gear1ch" refType="w" fact="0.8"/>
-          <dgm:constr type="w" for="ch" forName="gear2" refType="w" fact="0.4"/>
-          <dgm:constr type="h" for="ch" forName="gear2" refType="w" fact="0.4"/>
-          <dgm:constr type="l" for="ch" forName="gear2" refType="w" fact="0.13"/>
-          <dgm:constr type="t" for="ch" forName="gear2" refType="w" fact="0.12"/>
-          <dgm:constr type="w" for="ch" forName="gear2srcNode" val="1"/>
-          <dgm:constr type="h" for="ch" forName="gear2srcNode" val="1"/>
-          <dgm:constr type="l" for="ch" forName="gear2srcNode" refType="w" fact="0.23"/>
-          <dgm:constr type="t" for="ch" forName="gear2srcNode" refType="w" fact="0.08"/>
-          <dgm:constr type="w" for="ch" forName="gear2dstNode" val="1"/>
-          <dgm:constr type="h" for="ch" forName="gear2dstNode" val="1"/>
-          <dgm:constr type="l" for="ch" forName="gear2dstNode" refType="w" fact="0.1"/>
-          <dgm:constr type="t" for="ch" forName="gear2dstNode" refType="h" fact="0.33"/>
-          <dgm:constr type="diam" for="des" forName="connector2" refType="w" refFor="ch" refForName="gear2" op="equ" fact="-1.1"/>
-          <dgm:constr type="h" for="des" forName="connector2" refType="w" refFor="ch" refForName="gear1" op="equ" fact="0.1"/>
-          <dgm:constr type="w" for="ch" forName="gear2ch" refType="w" fact="0.35"/>
-          <dgm:constr type="h" for="ch" forName="gear2ch" refType="w" refFor="ch" refForName="gear2ch" fact="0.6"/>
-          <dgm:constr type="l" for="ch" forName="gear2ch" refType="w" fact="0.34"/>
-          <dgm:constr type="t" for="ch" forName="gear2ch" refType="w" fact="0.04"/>
-        </dgm:constrLst>
-      </dgm:if>
-      <dgm:else name="Name3">
-        <dgm:constrLst>
-          <dgm:constr type="primFontSz" for="ch" ptType="node" op="equ" val="65"/>
-          <dgm:constr type="w" for="ch" forName="gear1" refType="w" fact="0.55"/>
-          <dgm:constr type="h" for="ch" forName="gear1" refType="w" fact="0.55"/>
-          <dgm:constr type="l" for="ch" forName="gear1" refType="w" fact="0.45"/>
-          <dgm:constr type="t" for="ch" forName="gear1" refType="w" fact="0.45"/>
-          <dgm:constr type="w" for="ch" forName="gear1srcNode" val="1"/>
-          <dgm:constr type="h" for="ch" forName="gear1srcNode" val="1"/>
-          <dgm:constr type="l" for="ch" forName="gear1srcNode" refType="w" fact="0.72"/>
-          <dgm:constr type="t" for="ch" forName="gear1srcNode" refType="w" fact="0.4"/>
-          <dgm:constr type="w" for="ch" forName="gear1dstNode" val="1"/>
-          <dgm:constr type="h" for="ch" forName="gear1dstNode" val="1"/>
-          <dgm:constr type="r" for="ch" forName="gear1dstNode" refType="w" fact="0.98"/>
-          <dgm:constr type="t" for="ch" forName="gear1dstNode" refType="h" fact="0.95"/>
-          <dgm:constr type="diam" for="des" forName="connector1" refType="w" refFor="ch" refForName="gear1" op="equ" fact="1.15"/>
-          <dgm:constr type="h" for="des" forName="connector1" refType="w" refFor="ch" refForName="gear1" op="equ" fact="0.1"/>
-          <dgm:constr type="w" for="ch" forName="gear1ch" refType="w" fact="0.35"/>
-          <dgm:constr type="h" for="ch" forName="gear1ch" refType="w" refFor="ch" refForName="gear1ch" fact="0.6"/>
-          <dgm:constr type="l" for="ch" forName="gear1ch" refType="w" fact="0.38"/>
-          <dgm:constr type="b" for="ch" forName="gear1ch" refType="h"/>
-          <dgm:constr type="w" for="ch" forName="gear2" refType="w" fact="0.4"/>
-          <dgm:constr type="h" for="ch" forName="gear2" refType="w" fact="0.4"/>
-          <dgm:constr type="l" for="ch" forName="gear2" refType="w" fact="0.13"/>
-          <dgm:constr type="t" for="ch" forName="gear2" refType="w" fact="0.32"/>
-          <dgm:constr type="w" for="ch" forName="gear2srcNode" val="1"/>
-          <dgm:constr type="h" for="ch" forName="gear2srcNode" val="1"/>
-          <dgm:constr type="l" for="ch" forName="gear2srcNode" refType="w" fact="0.23"/>
-          <dgm:constr type="t" for="ch" forName="gear2srcNode" refType="w" fact="0.28"/>
-          <dgm:constr type="w" for="ch" forName="gear2dstNode" val="1"/>
-          <dgm:constr type="h" for="ch" forName="gear2dstNode" val="1"/>
-          <dgm:constr type="l" for="ch" forName="gear2dstNode" refType="w" fact="0.1"/>
-          <dgm:constr type="t" for="ch" forName="gear2dstNode" refType="h" fact="0.53"/>
-          <dgm:constr type="diam" for="des" forName="connector2" refType="w" refFor="ch" refForName="gear2" op="equ" fact="-1.1"/>
-          <dgm:constr type="h" for="des" forName="connector2" refType="w" refFor="ch" refForName="gear1" op="equ" fact="0.1"/>
-          <dgm:constr type="w" for="ch" forName="gear2ch" refType="w" fact="0.35"/>
-          <dgm:constr type="h" for="ch" forName="gear2ch" refType="w" refFor="ch" refForName="gear2ch" fact="0.6"/>
-          <dgm:constr type="l" for="ch" forName="gear2ch"/>
-          <dgm:constr type="t" for="ch" forName="gear2ch" refType="w" fact="0.58"/>
-          <dgm:constr type="w" for="ch" forName="gear3" refType="w" fact="0.48"/>
-          <dgm:constr type="h" for="ch" forName="gear3" refType="w" fact="0.48"/>
-          <dgm:constr type="l" for="ch" forName="gear3" refType="w" fact="0.31"/>
-          <dgm:constr type="t" for="ch" forName="gear3"/>
-          <dgm:constr type="w" for="ch" forName="gear3tx" refType="w" fact="0.22"/>
-          <dgm:constr type="h" for="ch" forName="gear3tx" refType="w" fact="0.22"/>
-          <dgm:constr type="ctrX" for="ch" forName="gear3tx" refType="ctrX" refFor="ch" refForName="gear3"/>
-          <dgm:constr type="ctrY" for="ch" forName="gear3tx" refType="ctrY" refFor="ch" refForName="gear3"/>
-          <dgm:constr type="w" for="ch" forName="gear3srcNode" val="1"/>
-          <dgm:constr type="h" for="ch" forName="gear3srcNode" val="1"/>
-          <dgm:constr type="l" for="ch" forName="gear3srcNode" refType="w" fact="0.3"/>
-          <dgm:constr type="t" for="ch" forName="gear3srcNode" refType="w" fact="0.25"/>
-          <dgm:constr type="w" for="ch" forName="gear3dstNode" val="1"/>
-          <dgm:constr type="h" for="ch" forName="gear3dstNode" val="1"/>
-          <dgm:constr type="l" for="ch" forName="gear3dstNode" refType="w" fact="0.38"/>
-          <dgm:constr type="t" for="ch" forName="gear3dstNode" refType="h" fact="0.05"/>
-          <dgm:constr type="diam" for="des" forName="connector3" refType="w" refFor="ch" refForName="gear3" op="equ"/>
-          <dgm:constr type="h" for="des" forName="connector3" refType="w" refFor="ch" refForName="gear1" op="equ" fact="0.1"/>
-          <dgm:constr type="w" for="ch" forName="gear3ch" refType="w" fact="0.35"/>
-          <dgm:constr type="h" for="ch" forName="gear3ch" refType="w" refFor="ch" refForName="gear3ch" fact="0.6"/>
-          <dgm:constr type="l" for="ch" forName="gear3ch" refType="w" fact="0.65"/>
-          <dgm:constr type="t" for="ch" forName="gear3ch" refType="h" fact="0.13"/>
-        </dgm:constrLst>
-      </dgm:else>
-    </dgm:choose>
-    <dgm:ruleLst/>
-    <dgm:forEach name="Name4" axis="ch" ptType="node" cnt="1">
-      <dgm:layoutNode name="gear1" styleLbl="node1">
-        <dgm:varLst>
-          <dgm:chMax val="1"/>
-          <dgm:bulletEnabled val="1"/>
-        </dgm:varLst>
-        <dgm:alg type="tx">
-          <dgm:param type="txAnchorVertCh" val="mid"/>
-        </dgm:alg>
-        <dgm:shape xmlns:r="http://schemas.openxmlformats.org/officeDocument/2006/relationships" type="gear9" r:blip="">
-          <dgm:adjLst/>
-        </dgm:shape>
-        <dgm:presOf axis="self"/>
-        <dgm:constrLst>
-          <dgm:constr type="tMarg" refType="primFontSz" fact="0.1"/>
-          <dgm:constr type="bMarg" refType="primFontSz" fact="0.1"/>
-          <dgm:constr type="lMarg" refType="primFontSz" fact="0.1"/>
-          <dgm:constr type="rMarg" refType="primFontSz" fact="0.1"/>
-        </dgm:constrLst>
-        <dgm:ruleLst>
-          <dgm:rule type="primFontSz" val="5" fact="NaN" max="NaN"/>
-        </dgm:ruleLst>
-      </dgm:layoutNode>
-      <dgm:layoutNode name="gear1srcNode">
-        <dgm:alg type="sp"/>
-        <dgm:shape xmlns:r="http://schemas.openxmlformats.org/officeDocument/2006/relationships" type="rect" r:blip="" hideGeom="1">
-          <dgm:adjLst/>
-        </dgm:shape>
-        <dgm:presOf axis="self"/>
-        <dgm:constrLst/>
-        <dgm:ruleLst/>
-      </dgm:layoutNode>
-      <dgm:layoutNode name="gear1dstNode">
-        <dgm:alg type="sp"/>
-        <dgm:shape xmlns:r="http://schemas.openxmlformats.org/officeDocument/2006/relationships" type="rect" r:blip="" hideGeom="1">
-          <dgm:adjLst/>
-        </dgm:shape>
-        <dgm:presOf axis="self"/>
-        <dgm:constrLst/>
-        <dgm:ruleLst/>
-      </dgm:layoutNode>
-      <dgm:choose name="Name5">
-        <dgm:if name="Name6" axis="ch" ptType="node" func="cnt" op="gte" val="1">
-          <dgm:layoutNode name="gear1ch" styleLbl="fgAcc1">
-            <dgm:varLst>
-              <dgm:chMax val="0"/>
-              <dgm:bulletEnabled val="1"/>
-            </dgm:varLst>
-            <dgm:alg type="tx">
-              <dgm:param type="stBulletLvl" val="1"/>
-            </dgm:alg>
-            <dgm:shape xmlns:r="http://schemas.openxmlformats.org/officeDocument/2006/relationships" type="roundRect" r:blip="">
-              <dgm:adjLst>
-                <dgm:adj idx="1" val="0.1"/>
-              </dgm:adjLst>
-            </dgm:shape>
-            <dgm:presOf axis="des" ptType="node"/>
-            <dgm:constrLst>
-              <dgm:constr type="tMarg" refType="primFontSz" fact="0.3"/>
-              <dgm:constr type="bMarg" refType="primFontSz" fact="0.3"/>
-              <dgm:constr type="lMarg" refType="primFontSz" fact="0.3"/>
-              <dgm:constr type="rMarg" refType="primFontSz" fact="0.3"/>
-            </dgm:constrLst>
-            <dgm:ruleLst>
-              <dgm:rule type="primFontSz" val="5" fact="NaN" max="NaN"/>
-            </dgm:ruleLst>
-          </dgm:layoutNode>
-        </dgm:if>
-        <dgm:else name="Name7"/>
-      </dgm:choose>
-    </dgm:forEach>
-    <dgm:forEach name="Name8" axis="ch" ptType="node" st="2" cnt="1">
-      <dgm:layoutNode name="gear2" styleLbl="node1">
-        <dgm:varLst>
-          <dgm:chMax val="1"/>
-          <dgm:bulletEnabled val="1"/>
-        </dgm:varLst>
-        <dgm:alg type="tx">
-          <dgm:param type="txAnchorVertCh" val="mid"/>
-        </dgm:alg>
-        <dgm:shape xmlns:r="http://schemas.openxmlformats.org/officeDocument/2006/relationships" type="gear6" r:blip="">
-          <dgm:adjLst/>
-        </dgm:shape>
-        <dgm:presOf axis="self"/>
-        <dgm:constrLst>
-          <dgm:constr type="tMarg" refType="primFontSz" fact="0.1"/>
-          <dgm:constr type="bMarg" refType="primFontSz" fact="0.1"/>
-          <dgm:constr type="lMarg" refType="primFontSz" fact="0.1"/>
-          <dgm:constr type="rMarg" refType="primFontSz" fact="0.1"/>
-        </dgm:constrLst>
-        <dgm:ruleLst>
-          <dgm:rule type="primFontSz" val="5" fact="NaN" max="NaN"/>
-        </dgm:ruleLst>
-      </dgm:layoutNode>
-      <dgm:layoutNode name="gear2srcNode">
-        <dgm:alg type="sp"/>
-        <dgm:shape xmlns:r="http://schemas.openxmlformats.org/officeDocument/2006/relationships" type="rect" r:blip="" hideGeom="1">
-          <dgm:adjLst/>
-        </dgm:shape>
-        <dgm:presOf axis="self"/>
-        <dgm:constrLst/>
-        <dgm:ruleLst/>
-      </dgm:layoutNode>
-      <dgm:layoutNode name="gear2dstNode">
-        <dgm:alg type="sp"/>
-        <dgm:shape xmlns:r="http://schemas.openxmlformats.org/officeDocument/2006/relationships" type="rect" r:blip="" hideGeom="1">
-          <dgm:adjLst/>
-        </dgm:shape>
-        <dgm:presOf axis="self"/>
-        <dgm:constrLst/>
-        <dgm:ruleLst/>
-      </dgm:layoutNode>
-      <dgm:choose name="Name9">
-        <dgm:if name="Name10" axis="ch" ptType="node" func="cnt" op="gte" val="1">
-          <dgm:layoutNode name="gear2ch" styleLbl="fgAcc1">
-            <dgm:varLst>
-              <dgm:chMax val="0"/>
-              <dgm:bulletEnabled val="1"/>
-            </dgm:varLst>
-            <dgm:alg type="tx">
-              <dgm:param type="stBulletLvl" val="1"/>
-            </dgm:alg>
-            <dgm:shape xmlns:r="http://schemas.openxmlformats.org/officeDocument/2006/relationships" type="roundRect" r:blip="">
-              <dgm:adjLst>
-                <dgm:adj idx="1" val="0.1"/>
-              </dgm:adjLst>
-            </dgm:shape>
-            <dgm:presOf axis="des" ptType="node"/>
-            <dgm:constrLst>
-              <dgm:constr type="tMarg" refType="primFontSz" fact="0.3"/>
-              <dgm:constr type="bMarg" refType="primFontSz" fact="0.3"/>
-              <dgm:constr type="lMarg" refType="primFontSz" fact="0.3"/>
-              <dgm:constr type="rMarg" refType="primFontSz" fact="0.3"/>
-            </dgm:constrLst>
-            <dgm:ruleLst>
-              <dgm:rule type="primFontSz" val="5" fact="NaN" max="NaN"/>
-            </dgm:ruleLst>
-          </dgm:layoutNode>
-        </dgm:if>
-        <dgm:else name="Name11"/>
-      </dgm:choose>
-    </dgm:forEach>
-    <dgm:forEach name="Name12" axis="ch" ptType="node" st="3" cnt="1">
-      <dgm:layoutNode name="gear3" styleLbl="node1">
-        <dgm:alg type="sp"/>
-        <dgm:shape xmlns:r="http://schemas.openxmlformats.org/officeDocument/2006/relationships" rot="-15" type="gear6" r:blip="">
-          <dgm:adjLst/>
-        </dgm:shape>
-        <dgm:presOf axis="self"/>
-        <dgm:constrLst/>
-        <dgm:ruleLst/>
-      </dgm:layoutNode>
-      <dgm:layoutNode name="gear3tx" styleLbl="node1">
-        <dgm:varLst>
-          <dgm:chMax val="1"/>
-          <dgm:bulletEnabled val="1"/>
-        </dgm:varLst>
-        <dgm:alg type="tx">
-          <dgm:param type="txAnchorVertCh" val="mid"/>
-        </dgm:alg>
-        <dgm:shape xmlns:r="http://schemas.openxmlformats.org/officeDocument/2006/relationships" type="rect" r:blip="" hideGeom="1">
-          <dgm:adjLst/>
-        </dgm:shape>
-        <dgm:presOf axis="self"/>
-        <dgm:constrLst>
-          <dgm:constr type="tMarg" refType="primFontSz" fact="0.1"/>
-          <dgm:constr type="bMarg" refType="primFontSz" fact="0.1"/>
-          <dgm:constr type="lMarg" refType="primFontSz" fact="0.1"/>
-          <dgm:constr type="rMarg" refType="primFontSz" fact="0.1"/>
-        </dgm:constrLst>
-        <dgm:ruleLst>
-          <dgm:rule type="primFontSz" val="5" fact="NaN" max="NaN"/>
-        </dgm:ruleLst>
-      </dgm:layoutNode>
-      <dgm:layoutNode name="gear3srcNode">
-        <dgm:alg type="sp"/>
-        <dgm:shape xmlns:r="http://schemas.openxmlformats.org/officeDocument/2006/relationships" type="rect" r:blip="" hideGeom="1">
-          <dgm:adjLst/>
-        </dgm:shape>
-        <dgm:presOf axis="self"/>
-        <dgm:constrLst/>
-        <dgm:ruleLst/>
-      </dgm:layoutNode>
-      <dgm:layoutNode name="gear3dstNode">
-        <dgm:alg type="sp"/>
-        <dgm:shape xmlns:r="http://schemas.openxmlformats.org/officeDocument/2006/relationships" type="rect" r:blip="" hideGeom="1">
-          <dgm:adjLst/>
-        </dgm:shape>
-        <dgm:presOf axis="self"/>
-        <dgm:constrLst/>
-        <dgm:ruleLst/>
-      </dgm:layoutNode>
-      <dgm:choose name="Name13">
-        <dgm:if name="Name14" axis="ch" ptType="node" func="cnt" op="gte" val="1">
-          <dgm:layoutNode name="gear3ch" styleLbl="fgAcc1">
-            <dgm:varLst>
-              <dgm:chMax val="0"/>
-              <dgm:bulletEnabled val="1"/>
-            </dgm:varLst>
-            <dgm:alg type="tx">
-              <dgm:param type="stBulletLvl" val="1"/>
-            </dgm:alg>
-            <dgm:shape xmlns:r="http://schemas.openxmlformats.org/officeDocument/2006/relationships" type="roundRect" r:blip="">
-              <dgm:adjLst>
-                <dgm:adj idx="1" val="0.1"/>
-              </dgm:adjLst>
-            </dgm:shape>
-            <dgm:presOf axis="des" ptType="node"/>
-            <dgm:constrLst>
-              <dgm:constr type="tMarg" refType="primFontSz" fact="0.3"/>
-              <dgm:constr type="bMarg" refType="primFontSz" fact="0.3"/>
-              <dgm:constr type="lMarg" refType="primFontSz" fact="0.3"/>
-              <dgm:constr type="rMarg" refType="primFontSz" fact="0.3"/>
-            </dgm:constrLst>
-            <dgm:ruleLst>
-              <dgm:rule type="primFontSz" val="5" fact="NaN" max="NaN"/>
-            </dgm:ruleLst>
-          </dgm:layoutNode>
-        </dgm:if>
-        <dgm:else name="Name15"/>
-      </dgm:choose>
-    </dgm:forEach>
-    <dgm:forEach name="Name16" axis="ch" ptType="sibTrans" hideLastTrans="0" cnt="1">
-      <dgm:layoutNode name="connector1" styleLbl="sibTrans2D1">
-        <dgm:alg type="conn">
-          <dgm:param type="connRout" val="curve"/>
-          <dgm:param type="srcNode" val="gear1srcNode"/>
-          <dgm:param type="dstNode" val="gear1dstNode"/>
-          <dgm:param type="begPts" val="midR"/>
-          <dgm:param type="endPts" val="tCtr"/>
-        </dgm:alg>
-        <dgm:shape xmlns:r="http://schemas.openxmlformats.org/officeDocument/2006/relationships" type="conn" r:blip="">
-          <dgm:adjLst/>
-        </dgm:shape>
-        <dgm:presOf axis="self"/>
-        <dgm:constrLst>
-          <dgm:constr type="w" val="10"/>
-          <dgm:constr type="h" val="10"/>
-          <dgm:constr type="begPad"/>
-          <dgm:constr type="endPad"/>
-        </dgm:constrLst>
-        <dgm:ruleLst/>
-      </dgm:layoutNode>
-    </dgm:forEach>
-    <dgm:forEach name="Name17" axis="ch" ptType="sibTrans" hideLastTrans="0" st="2" cnt="1">
-      <dgm:layoutNode name="connector2" styleLbl="sibTrans2D1">
-        <dgm:alg type="conn">
-          <dgm:param type="connRout" val="curve"/>
-          <dgm:param type="srcNode" val="gear2srcNode"/>
-          <dgm:param type="dstNode" val="gear2dstNode"/>
-          <dgm:param type="begPts" val="midL"/>
-          <dgm:param type="endPts" val="midL"/>
-        </dgm:alg>
-        <dgm:shape xmlns:r="http://schemas.openxmlformats.org/officeDocument/2006/relationships" type="conn" r:blip="">
-          <dgm:adjLst/>
-        </dgm:shape>
-        <dgm:presOf axis="self"/>
-        <dgm:constrLst>
-          <dgm:constr type="w" val="10"/>
-          <dgm:constr type="h" val="10"/>
-          <dgm:constr type="begPad"/>
-          <dgm:constr type="endPad"/>
-        </dgm:constrLst>
-        <dgm:ruleLst/>
-      </dgm:layoutNode>
-    </dgm:forEach>
-    <dgm:forEach name="Name18" axis="ch" ptType="sibTrans" hideLastTrans="0" st="3" cnt="1">
-      <dgm:layoutNode name="connector3" styleLbl="sibTrans2D1">
-        <dgm:alg type="conn">
-          <dgm:param type="connRout" val="curve"/>
-          <dgm:param type="srcNode" val="gear3srcNode"/>
-          <dgm:param type="dstNode" val="gear3dstNode"/>
-          <dgm:param type="begPts" val="midL"/>
-          <dgm:param type="endPts" val="midL"/>
-        </dgm:alg>
-        <dgm:shape xmlns:r="http://schemas.openxmlformats.org/officeDocument/2006/relationships" type="conn" r:blip="">
-          <dgm:adjLst/>
-        </dgm:shape>
-        <dgm:presOf axis="self"/>
-        <dgm:constrLst>
-          <dgm:constr type="w" val="10"/>
-          <dgm:constr type="h" val="10"/>
-          <dgm:constr type="begPad"/>
-          <dgm:constr type="endPad"/>
-        </dgm:constrLst>
-        <dgm:ruleLst/>
-      </dgm:layoutNode>
-    </dgm:forEach>
-  </dgm:layoutNode>
-</dgm:layoutDef>
-</file>
-
-<file path=ppt/diagrams/quickStyle1.xml><?xml version="1.0" encoding="utf-8"?>
-<dgm:styleDef xmlns:dgm="http://schemas.openxmlformats.org/drawingml/2006/diagram" xmlns:a="http://schemas.openxmlformats.org/drawingml/2006/main" uniqueId="urn:microsoft.com/office/officeart/2005/8/quickstyle/simple1">
-  <dgm:title val=""/>
-  <dgm:desc val=""/>
-  <dgm:catLst>
-    <dgm:cat type="simple" pri="10100"/>
-  </dgm:catLst>
-  <dgm:scene3d>
-    <a:camera prst="orthographicFront"/>
-    <a:lightRig rig="threePt" dir="t"/>
-  </dgm:scene3d>
-  <dgm:styleLbl name="node0">
-    <dgm:scene3d>
-      <a:camera prst="orthographicFront"/>
-      <a:lightRig rig="threePt" dir="t"/>
-    </dgm:scene3d>
-    <dgm:sp3d/>
-    <dgm:txPr/>
-    <dgm:style>
-      <a:lnRef idx="2">
-        <a:scrgbClr r="0" g="0" b="0"/>
-      </a:lnRef>
-      <a:fillRef idx="1">
-        <a:scrgbClr r="0" g="0" b="0"/>
-      </a:fillRef>
-      <a:effectRef idx="0">
-        <a:scrgbClr r="0" g="0" b="0"/>
-      </a:effectRef>
-      <a:fontRef idx="minor">
-        <a:schemeClr val="lt1"/>
-      </a:fontRef>
-    </dgm:style>
-  </dgm:styleLbl>
-  <dgm:styleLbl name="lnNode1">
-    <dgm:scene3d>
-      <a:camera prst="orthographicFront"/>
-      <a:lightRig rig="threePt" dir="t"/>
-    </dgm:scene3d>
-    <dgm:sp3d/>
-    <dgm:txPr/>
-    <dgm:style>
-      <a:lnRef idx="2">
-        <a:scrgbClr r="0" g="0" b="0"/>
-      </a:lnRef>
-      <a:fillRef idx="1">
-        <a:scrgbClr r="0" g="0" b="0"/>
-      </a:fillRef>
-      <a:effectRef idx="0">
-        <a:scrgbClr r="0" g="0" b="0"/>
-      </a:effectRef>
-      <a:fontRef idx="minor">
-        <a:schemeClr val="lt1"/>
-      </a:fontRef>
-    </dgm:style>
-  </dgm:styleLbl>
-  <dgm:styleLbl name="vennNode1">
-    <dgm:scene3d>
-      <a:camera prst="orthographicFront"/>
-      <a:lightRig rig="threePt" dir="t"/>
-    </dgm:scene3d>
-    <dgm:sp3d/>
-    <dgm:txPr/>
-    <dgm:style>
-      <a:lnRef idx="2">
-        <a:scrgbClr r="0" g="0" b="0"/>
-      </a:lnRef>
-      <a:fillRef idx="1">
-        <a:scrgbClr r="0" g="0" b="0"/>
-      </a:fillRef>
-      <a:effectRef idx="0">
-        <a:scrgbClr r="0" g="0" b="0"/>
-      </a:effectRef>
-      <a:fontRef idx="minor">
-        <a:schemeClr val="tx1"/>
-      </a:fontRef>
-    </dgm:style>
-  </dgm:styleLbl>
-  <dgm:styleLbl name="alignNode1">
-    <dgm:scene3d>
-      <a:camera prst="orthographicFront"/>
-      <a:lightRig rig="threePt" dir="t"/>
-    </dgm:scene3d>
-    <dgm:sp3d/>
-    <dgm:txPr/>
-    <dgm:style>
-      <a:lnRef idx="2">
-        <a:scrgbClr r="0" g="0" b="0"/>
-      </a:lnRef>
-      <a:fillRef idx="1">
-        <a:scrgbClr r="0" g="0" b="0"/>
-      </a:fillRef>
-      <a:effectRef idx="0">
-        <a:scrgbClr r="0" g="0" b="0"/>
-      </a:effectRef>
-      <a:fontRef idx="minor">
-        <a:schemeClr val="lt1"/>
-      </a:fontRef>
-    </dgm:style>
-  </dgm:styleLbl>
-  <dgm:styleLbl name="node1">
-    <dgm:scene3d>
-      <a:camera prst="orthographicFront"/>
-      <a:lightRig rig="threePt" dir="t"/>
-    </dgm:scene3d>
-    <dgm:sp3d/>
-    <dgm:txPr/>
-    <dgm:style>
-      <a:lnRef idx="2">
-        <a:scrgbClr r="0" g="0" b="0"/>
-      </a:lnRef>
-      <a:fillRef idx="1">
-        <a:scrgbClr r="0" g="0" b="0"/>
-      </a:fillRef>
-      <a:effectRef idx="0">
-        <a:scrgbClr r="0" g="0" b="0"/>
-      </a:effectRef>
-      <a:fontRef idx="minor">
-        <a:schemeClr val="lt1"/>
-      </a:fontRef>
-    </dgm:style>
-  </dgm:styleLbl>
-  <dgm:styleLbl name="node2">
-    <dgm:scene3d>
-      <a:camera prst="orthographicFront"/>
-      <a:lightRig rig="threePt" dir="t"/>
-    </dgm:scene3d>
-    <dgm:sp3d/>
-    <dgm:txPr/>
-    <dgm:style>
-      <a:lnRef idx="2">
-        <a:scrgbClr r="0" g="0" b="0"/>
-      </a:lnRef>
-      <a:fillRef idx="1">
-        <a:scrgbClr r="0" g="0" b="0"/>
-      </a:fillRef>
-      <a:effectRef idx="0">
-        <a:scrgbClr r="0" g="0" b="0"/>
-      </a:effectRef>
-      <a:fontRef idx="minor">
-        <a:schemeClr val="lt1"/>
-      </a:fontRef>
-    </dgm:style>
-  </dgm:styleLbl>
-  <dgm:styleLbl name="node3">
-    <dgm:scene3d>
-      <a:camera prst="orthographicFront"/>
-      <a:lightRig rig="threePt" dir="t"/>
-    </dgm:scene3d>
-    <dgm:sp3d/>
-    <dgm:txPr/>
-    <dgm:style>
-      <a:lnRef idx="2">
-        <a:scrgbClr r="0" g="0" b="0"/>
-      </a:lnRef>
-      <a:fillRef idx="1">
-        <a:scrgbClr r="0" g="0" b="0"/>
-      </a:fillRef>
-      <a:effectRef idx="0">
-        <a:scrgbClr r="0" g="0" b="0"/>
-      </a:effectRef>
-      <a:fontRef idx="minor">
-        <a:schemeClr val="lt1"/>
-      </a:fontRef>
-    </dgm:style>
-  </dgm:styleLbl>
-  <dgm:styleLbl name="node4">
-    <dgm:scene3d>
-      <a:camera prst="orthographicFront"/>
-      <a:lightRig rig="threePt" dir="t"/>
-    </dgm:scene3d>
-    <dgm:sp3d/>
-    <dgm:txPr/>
-    <dgm:style>
-      <a:lnRef idx="2">
-        <a:scrgbClr r="0" g="0" b="0"/>
-      </a:lnRef>
-      <a:fillRef idx="1">
-        <a:scrgbClr r="0" g="0" b="0"/>
-      </a:fillRef>
-      <a:effectRef idx="0">
-        <a:scrgbClr r="0" g="0" b="0"/>
-      </a:effectRef>
-      <a:fontRef idx="minor">
-        <a:schemeClr val="lt1"/>
-      </a:fontRef>
-    </dgm:style>
-  </dgm:styleLbl>
-  <dgm:styleLbl name="fgImgPlace1">
-    <dgm:scene3d>
-      <a:camera prst="orthographicFront"/>
-      <a:lightRig rig="threePt" dir="t"/>
-    </dgm:scene3d>
-    <dgm:sp3d/>
-    <dgm:txPr/>
-    <dgm:style>
-      <a:lnRef idx="2">
-        <a:scrgbClr r="0" g="0" b="0"/>
-      </a:lnRef>
-      <a:fillRef idx="1">
-        <a:scrgbClr r="0" g="0" b="0"/>
-      </a:fillRef>
-      <a:effectRef idx="0">
-        <a:scrgbClr r="0" g="0" b="0"/>
-      </a:effectRef>
-      <a:fontRef idx="minor"/>
-    </dgm:style>
-  </dgm:styleLbl>
-  <dgm:styleLbl name="alignImgPlace1">
-    <dgm:scene3d>
-      <a:camera prst="orthographicFront"/>
-      <a:lightRig rig="threePt" dir="t"/>
-    </dgm:scene3d>
-    <dgm:sp3d/>
-    <dgm:txPr/>
-    <dgm:style>
-      <a:lnRef idx="2">
-        <a:scrgbClr r="0" g="0" b="0"/>
-      </a:lnRef>
-      <a:fillRef idx="1">
-        <a:scrgbClr r="0" g="0" b="0"/>
-      </a:fillRef>
-      <a:effectRef idx="0">
-        <a:scrgbClr r="0" g="0" b="0"/>
-      </a:effectRef>
-      <a:fontRef idx="minor"/>
-    </dgm:style>
-  </dgm:styleLbl>
-  <dgm:styleLbl name="bgImgPlace1">
-    <dgm:scene3d>
-      <a:camera prst="orthographicFront"/>
-      <a:lightRig rig="threePt" dir="t"/>
-    </dgm:scene3d>
-    <dgm:sp3d/>
-    <dgm:txPr/>
-    <dgm:style>
-      <a:lnRef idx="2">
-        <a:scrgbClr r="0" g="0" b="0"/>
-      </a:lnRef>
-      <a:fillRef idx="1">
-        <a:scrgbClr r="0" g="0" b="0"/>
-      </a:fillRef>
-      <a:effectRef idx="0">
-        <a:scrgbClr r="0" g="0" b="0"/>
-      </a:effectRef>
-      <a:fontRef idx="minor"/>
-    </dgm:style>
-  </dgm:styleLbl>
-  <dgm:styleLbl name="sibTrans2D1">
-    <dgm:scene3d>
-      <a:camera prst="orthographicFront"/>
-      <a:lightRig rig="threePt" dir="t"/>
-    </dgm:scene3d>
-    <dgm:sp3d/>
-    <dgm:txPr/>
-    <dgm:style>
-      <a:lnRef idx="0">
-        <a:scrgbClr r="0" g="0" b="0"/>
-      </a:lnRef>
-      <a:fillRef idx="1">
-        <a:scrgbClr r="0" g="0" b="0"/>
-      </a:fillRef>
-      <a:effectRef idx="0">
-        <a:scrgbClr r="0" g="0" b="0"/>
-      </a:effectRef>
-      <a:fontRef idx="minor">
-        <a:schemeClr val="lt1"/>
-      </a:fontRef>
-    </dgm:style>
-  </dgm:styleLbl>
-  <dgm:styleLbl name="fgSibTrans2D1">
-    <dgm:scene3d>
-      <a:camera prst="orthographicFront"/>
-      <a:lightRig rig="threePt" dir="t"/>
-    </dgm:scene3d>
-    <dgm:sp3d/>
-    <dgm:txPr/>
-    <dgm:style>
-      <a:lnRef idx="0">
-        <a:scrgbClr r="0" g="0" b="0"/>
-      </a:lnRef>
-      <a:fillRef idx="1">
-        <a:scrgbClr r="0" g="0" b="0"/>
-      </a:fillRef>
-      <a:effectRef idx="0">
-        <a:scrgbClr r="0" g="0" b="0"/>
-      </a:effectRef>
-      <a:fontRef idx="minor">
-        <a:schemeClr val="lt1"/>
-      </a:fontRef>
-    </dgm:style>
-  </dgm:styleLbl>
-  <dgm:styleLbl name="bgSibTrans2D1">
-    <dgm:scene3d>
-      <a:camera prst="orthographicFront"/>
-      <a:lightRig rig="threePt" dir="t"/>
-    </dgm:scene3d>
-    <dgm:sp3d/>
-    <dgm:txPr/>
-    <dgm:style>
-      <a:lnRef idx="0">
-        <a:scrgbClr r="0" g="0" b="0"/>
-      </a:lnRef>
-      <a:fillRef idx="1">
-        <a:scrgbClr r="0" g="0" b="0"/>
-      </a:fillRef>
-      <a:effectRef idx="0">
-        <a:scrgbClr r="0" g="0" b="0"/>
-      </a:effectRef>
-      <a:fontRef idx="minor">
-        <a:schemeClr val="lt1"/>
-      </a:fontRef>
-    </dgm:style>
-  </dgm:styleLbl>
-  <dgm:styleLbl name="sibTrans1D1">
-    <dgm:scene3d>
-      <a:camera prst="orthographicFront"/>
-      <a:lightRig rig="threePt" dir="t"/>
-    </dgm:scene3d>
-    <dgm:sp3d/>
-    <dgm:txPr/>
-    <dgm:style>
-      <a:lnRef idx="1">
-        <a:scrgbClr r="0" g="0" b="0"/>
-      </a:lnRef>
-      <a:fillRef idx="0">
-        <a:scrgbClr r="0" g="0" b="0"/>
-      </a:fillRef>
-      <a:effectRef idx="0">
-        <a:scrgbClr r="0" g="0" b="0"/>
-      </a:effectRef>
-      <a:fontRef idx="minor"/>
-    </dgm:style>
-  </dgm:styleLbl>
-  <dgm:styleLbl name="callout">
-    <dgm:scene3d>
-      <a:camera prst="orthographicFront"/>
-      <a:lightRig rig="threePt" dir="t"/>
-    </dgm:scene3d>
-    <dgm:sp3d/>
-    <dgm:txPr/>
-    <dgm:style>
-      <a:lnRef idx="2">
-        <a:scrgbClr r="0" g="0" b="0"/>
-      </a:lnRef>
-      <a:fillRef idx="1">
-        <a:scrgbClr r="0" g="0" b="0"/>
-      </a:fillRef>
-      <a:effectRef idx="0">
-        <a:scrgbClr r="0" g="0" b="0"/>
-      </a:effectRef>
-      <a:fontRef idx="minor"/>
-    </dgm:style>
-  </dgm:styleLbl>
-  <dgm:styleLbl name="asst0">
-    <dgm:scene3d>
-      <a:camera prst="orthographicFront"/>
-      <a:lightRig rig="threePt" dir="t"/>
-    </dgm:scene3d>
-    <dgm:sp3d/>
-    <dgm:txPr/>
-    <dgm:style>
-      <a:lnRef idx="2">
-        <a:scrgbClr r="0" g="0" b="0"/>
-      </a:lnRef>
-      <a:fillRef idx="1">
-        <a:scrgbClr r="0" g="0" b="0"/>
-      </a:fillRef>
-      <a:effectRef idx="0">
-        <a:scrgbClr r="0" g="0" b="0"/>
-      </a:effectRef>
-      <a:fontRef idx="minor">
-        <a:schemeClr val="lt1"/>
-      </a:fontRef>
-    </dgm:style>
-  </dgm:styleLbl>
-  <dgm:styleLbl name="asst1">
-    <dgm:scene3d>
-      <a:camera prst="orthographicFront"/>
-      <a:lightRig rig="threePt" dir="t"/>
-    </dgm:scene3d>
-    <dgm:sp3d/>
-    <dgm:txPr/>
-    <dgm:style>
-      <a:lnRef idx="2">
-        <a:scrgbClr r="0" g="0" b="0"/>
-      </a:lnRef>
-      <a:fillRef idx="1">
-        <a:scrgbClr r="0" g="0" b="0"/>
-      </a:fillRef>
-      <a:effectRef idx="0">
-        <a:scrgbClr r="0" g="0" b="0"/>
-      </a:effectRef>
-      <a:fontRef idx="minor">
-        <a:schemeClr val="lt1"/>
-      </a:fontRef>
-    </dgm:style>
-  </dgm:styleLbl>
-  <dgm:styleLbl name="asst2">
-    <dgm:scene3d>
-      <a:camera prst="orthographicFront"/>
-      <a:lightRig rig="threePt" dir="t"/>
-    </dgm:scene3d>
-    <dgm:sp3d/>
-    <dgm:txPr/>
-    <dgm:style>
-      <a:lnRef idx="2">
-        <a:scrgbClr r="0" g="0" b="0"/>
-      </a:lnRef>
-      <a:fillRef idx="1">
-        <a:scrgbClr r="0" g="0" b="0"/>
-      </a:fillRef>
-      <a:effectRef idx="0">
-        <a:scrgbClr r="0" g="0" b="0"/>
-      </a:effectRef>
-      <a:fontRef idx="minor">
-        <a:schemeClr val="lt1"/>
-      </a:fontRef>
-    </dgm:style>
-  </dgm:styleLbl>
-  <dgm:styleLbl name="asst3">
-    <dgm:scene3d>
-      <a:camera prst="orthographicFront"/>
-      <a:lightRig rig="threePt" dir="t"/>
-    </dgm:scene3d>
-    <dgm:sp3d/>
-    <dgm:txPr/>
-    <dgm:style>
-      <a:lnRef idx="2">
-        <a:scrgbClr r="0" g="0" b="0"/>
-      </a:lnRef>
-      <a:fillRef idx="1">
-        <a:scrgbClr r="0" g="0" b="0"/>
-      </a:fillRef>
-      <a:effectRef idx="0">
-        <a:scrgbClr r="0" g="0" b="0"/>
-      </a:effectRef>
-      <a:fontRef idx="minor">
-        <a:schemeClr val="lt1"/>
-      </a:fontRef>
-    </dgm:style>
-  </dgm:styleLbl>
-  <dgm:styleLbl name="asst4">
-    <dgm:scene3d>
-      <a:camera prst="orthographicFront"/>
-      <a:lightRig rig="threePt" dir="t"/>
-    </dgm:scene3d>
-    <dgm:sp3d/>
-    <dgm:txPr/>
-    <dgm:style>
-      <a:lnRef idx="2">
-        <a:scrgbClr r="0" g="0" b="0"/>
-      </a:lnRef>
-      <a:fillRef idx="1">
-        <a:scrgbClr r="0" g="0" b="0"/>
-      </a:fillRef>
-      <a:effectRef idx="0">
-        <a:scrgbClr r="0" g="0" b="0"/>
-      </a:effectRef>
-      <a:fontRef idx="minor">
-        <a:schemeClr val="lt1"/>
-      </a:fontRef>
-    </dgm:style>
-  </dgm:styleLbl>
-  <dgm:styleLbl name="parChTrans2D1">
-    <dgm:scene3d>
-      <a:camera prst="orthographicFront"/>
-      <a:lightRig rig="threePt" dir="t"/>
-    </dgm:scene3d>
-    <dgm:sp3d/>
-    <dgm:txPr/>
-    <dgm:style>
-      <a:lnRef idx="2">
-        <a:scrgbClr r="0" g="0" b="0"/>
-      </a:lnRef>
-      <a:fillRef idx="1">
-        <a:scrgbClr r="0" g="0" b="0"/>
-      </a:fillRef>
-      <a:effectRef idx="0">
-        <a:scrgbClr r="0" g="0" b="0"/>
-      </a:effectRef>
-      <a:fontRef idx="minor">
-        <a:schemeClr val="lt1"/>
-      </a:fontRef>
-    </dgm:style>
-  </dgm:styleLbl>
-  <dgm:styleLbl name="parChTrans2D2">
-    <dgm:scene3d>
-      <a:camera prst="orthographicFront"/>
-      <a:lightRig rig="threePt" dir="t"/>
-    </dgm:scene3d>
-    <dgm:sp3d/>
-    <dgm:txPr/>
-    <dgm:style>
-      <a:lnRef idx="2">
-        <a:scrgbClr r="0" g="0" b="0"/>
-      </a:lnRef>
-      <a:fillRef idx="1">
-        <a:scrgbClr r="0" g="0" b="0"/>
-      </a:fillRef>
-      <a:effectRef idx="0">
-        <a:scrgbClr r="0" g="0" b="0"/>
-      </a:effectRef>
-      <a:fontRef idx="minor">
-        <a:schemeClr val="lt1"/>
-      </a:fontRef>
-    </dgm:style>
-  </dgm:styleLbl>
-  <dgm:styleLbl name="parChTrans2D3">
-    <dgm:scene3d>
-      <a:camera prst="orthographicFront"/>
-      <a:lightRig rig="threePt" dir="t"/>
-    </dgm:scene3d>
-    <dgm:sp3d/>
-    <dgm:txPr/>
-    <dgm:style>
-      <a:lnRef idx="2">
-        <a:scrgbClr r="0" g="0" b="0"/>
-      </a:lnRef>
-      <a:fillRef idx="1">
-        <a:scrgbClr r="0" g="0" b="0"/>
-      </a:fillRef>
-      <a:effectRef idx="0">
-        <a:scrgbClr r="0" g="0" b="0"/>
-      </a:effectRef>
-      <a:fontRef idx="minor">
-        <a:schemeClr val="lt1"/>
-      </a:fontRef>
-    </dgm:style>
-  </dgm:styleLbl>
-  <dgm:styleLbl name="parChTrans2D4">
-    <dgm:scene3d>
-      <a:camera prst="orthographicFront"/>
-      <a:lightRig rig="threePt" dir="t"/>
-    </dgm:scene3d>
-    <dgm:sp3d/>
-    <dgm:txPr/>
-    <dgm:style>
-      <a:lnRef idx="2">
-        <a:scrgbClr r="0" g="0" b="0"/>
-      </a:lnRef>
-      <a:fillRef idx="1">
-        <a:scrgbClr r="0" g="0" b="0"/>
-      </a:fillRef>
-      <a:effectRef idx="0">
-        <a:scrgbClr r="0" g="0" b="0"/>
-      </a:effectRef>
-      <a:fontRef idx="minor">
-        <a:schemeClr val="lt1"/>
-      </a:fontRef>
-    </dgm:style>
-  </dgm:styleLbl>
-  <dgm:styleLbl name="parChTrans1D1">
-    <dgm:scene3d>
-      <a:camera prst="orthographicFront"/>
-      <a:lightRig rig="threePt" dir="t"/>
-    </dgm:scene3d>
-    <dgm:sp3d/>
-    <dgm:txPr/>
-    <dgm:style>
-      <a:lnRef idx="2">
-        <a:scrgbClr r="0" g="0" b="0"/>
-      </a:lnRef>
-      <a:fillRef idx="0">
-        <a:scrgbClr r="0" g="0" b="0"/>
-      </a:fillRef>
-      <a:effectRef idx="0">
-        <a:scrgbClr r="0" g="0" b="0"/>
-      </a:effectRef>
-      <a:fontRef idx="minor"/>
-    </dgm:style>
-  </dgm:styleLbl>
-  <dgm:styleLbl name="parChTrans1D2">
-    <dgm:scene3d>
-      <a:camera prst="orthographicFront"/>
-      <a:lightRig rig="threePt" dir="t"/>
-    </dgm:scene3d>
-    <dgm:sp3d/>
-    <dgm:txPr/>
-    <dgm:style>
-      <a:lnRef idx="2">
-        <a:scrgbClr r="0" g="0" b="0"/>
-      </a:lnRef>
-      <a:fillRef idx="0">
-        <a:scrgbClr r="0" g="0" b="0"/>
-      </a:fillRef>
-      <a:effectRef idx="0">
-        <a:scrgbClr r="0" g="0" b="0"/>
-      </a:effectRef>
-      <a:fontRef idx="minor"/>
-    </dgm:style>
-  </dgm:styleLbl>
-  <dgm:styleLbl name="parChTrans1D3">
-    <dgm:scene3d>
-      <a:camera prst="orthographicFront"/>
-      <a:lightRig rig="threePt" dir="t"/>
-    </dgm:scene3d>
-    <dgm:sp3d/>
-    <dgm:txPr/>
-    <dgm:style>
-      <a:lnRef idx="2">
-        <a:scrgbClr r="0" g="0" b="0"/>
-      </a:lnRef>
-      <a:fillRef idx="0">
-        <a:scrgbClr r="0" g="0" b="0"/>
-      </a:fillRef>
-      <a:effectRef idx="0">
-        <a:scrgbClr r="0" g="0" b="0"/>
-      </a:effectRef>
-      <a:fontRef idx="minor"/>
-    </dgm:style>
-  </dgm:styleLbl>
-  <dgm:styleLbl name="parChTrans1D4">
-    <dgm:scene3d>
-      <a:camera prst="orthographicFront"/>
-      <a:lightRig rig="threePt" dir="t"/>
-    </dgm:scene3d>
-    <dgm:sp3d/>
-    <dgm:txPr/>
-    <dgm:style>
-      <a:lnRef idx="2">
-        <a:scrgbClr r="0" g="0" b="0"/>
-      </a:lnRef>
-      <a:fillRef idx="0">
-        <a:scrgbClr r="0" g="0" b="0"/>
-      </a:fillRef>
-      <a:effectRef idx="0">
-        <a:scrgbClr r="0" g="0" b="0"/>
-      </a:effectRef>
-      <a:fontRef idx="minor"/>
-    </dgm:style>
-  </dgm:styleLbl>
-  <dgm:styleLbl name="fgAcc1">
-    <dgm:scene3d>
-      <a:camera prst="orthographicFront"/>
-      <a:lightRig rig="threePt" dir="t"/>
-    </dgm:scene3d>
-    <dgm:sp3d/>
-    <dgm:txPr/>
-    <dgm:style>
-      <a:lnRef idx="2">
-        <a:scrgbClr r="0" g="0" b="0"/>
-      </a:lnRef>
-      <a:fillRef idx="1">
-        <a:scrgbClr r="0" g="0" b="0"/>
-      </a:fillRef>
-      <a:effectRef idx="0">
-        <a:scrgbClr r="0" g="0" b="0"/>
-      </a:effectRef>
-      <a:fontRef idx="minor"/>
-    </dgm:style>
-  </dgm:styleLbl>
-  <dgm:styleLbl name="conFgAcc1">
-    <dgm:scene3d>
-      <a:camera prst="orthographicFront"/>
-      <a:lightRig rig="threePt" dir="t"/>
-    </dgm:scene3d>
-    <dgm:sp3d/>
-    <dgm:txPr/>
-    <dgm:style>
-      <a:lnRef idx="2">
-        <a:scrgbClr r="0" g="0" b="0"/>
-      </a:lnRef>
-      <a:fillRef idx="1">
-        <a:scrgbClr r="0" g="0" b="0"/>
-      </a:fillRef>
-      <a:effectRef idx="0">
-        <a:scrgbClr r="0" g="0" b="0"/>
-      </a:effectRef>
-      <a:fontRef idx="minor"/>
-    </dgm:style>
-  </dgm:styleLbl>
-  <dgm:styleLbl name="alignAcc1">
-    <dgm:scene3d>
-      <a:camera prst="orthographicFront"/>
-      <a:lightRig rig="threePt" dir="t"/>
-    </dgm:scene3d>
-    <dgm:sp3d/>
-    <dgm:txPr/>
-    <dgm:style>
-      <a:lnRef idx="2">
-        <a:scrgbClr r="0" g="0" b="0"/>
-      </a:lnRef>
-      <a:fillRef idx="1">
-        <a:scrgbClr r="0" g="0" b="0"/>
-      </a:fillRef>
-      <a:effectRef idx="0">
-        <a:scrgbClr r="0" g="0" b="0"/>
-      </a:effectRef>
-      <a:fontRef idx="minor"/>
-    </dgm:style>
-  </dgm:styleLbl>
-  <dgm:styleLbl name="trAlignAcc1">
-    <dgm:scene3d>
-      <a:camera prst="orthographicFront"/>
-      <a:lightRig rig="threePt" dir="t"/>
-    </dgm:scene3d>
-    <dgm:sp3d/>
-    <dgm:txPr/>
-    <dgm:style>
-      <a:lnRef idx="1">
-        <a:scrgbClr r="0" g="0" b="0"/>
-      </a:lnRef>
-      <a:fillRef idx="1">
-        <a:scrgbClr r="0" g="0" b="0"/>
-      </a:fillRef>
-      <a:effectRef idx="0">
-        <a:scrgbClr r="0" g="0" b="0"/>
-      </a:effectRef>
-      <a:fontRef idx="minor"/>
-    </dgm:style>
-  </dgm:styleLbl>
-  <dgm:styleLbl name="bgAcc1">
-    <dgm:scene3d>
-      <a:camera prst="orthographicFront"/>
-      <a:lightRig rig="threePt" dir="t"/>
-    </dgm:scene3d>
-    <dgm:sp3d/>
-    <dgm:txPr/>
-    <dgm:style>
-      <a:lnRef idx="2">
-        <a:scrgbClr r="0" g="0" b="0"/>
-      </a:lnRef>
-      <a:fillRef idx="1">
-        <a:scrgbClr r="0" g="0" b="0"/>
-      </a:fillRef>
-      <a:effectRef idx="0">
-        <a:scrgbClr r="0" g="0" b="0"/>
-      </a:effectRef>
-      <a:fontRef idx="minor"/>
-    </dgm:style>
-  </dgm:styleLbl>
-  <dgm:styleLbl name="solidFgAcc1">
-    <dgm:scene3d>
-      <a:camera prst="orthographicFront"/>
-      <a:lightRig rig="threePt" dir="t"/>
-    </dgm:scene3d>
-    <dgm:sp3d/>
-    <dgm:txPr/>
-    <dgm:style>
-      <a:lnRef idx="2">
-        <a:scrgbClr r="0" g="0" b="0"/>
-      </a:lnRef>
-      <a:fillRef idx="1">
-        <a:scrgbClr r="0" g="0" b="0"/>
-      </a:fillRef>
-      <a:effectRef idx="0">
-        <a:scrgbClr r="0" g="0" b="0"/>
-      </a:effectRef>
-      <a:fontRef idx="minor"/>
-    </dgm:style>
-  </dgm:styleLbl>
-  <dgm:styleLbl name="solidAlignAcc1">
-    <dgm:scene3d>
-      <a:camera prst="orthographicFront"/>
-      <a:lightRig rig="threePt" dir="t"/>
-    </dgm:scene3d>
-    <dgm:sp3d/>
-    <dgm:txPr/>
-    <dgm:style>
-      <a:lnRef idx="2">
-        <a:scrgbClr r="0" g="0" b="0"/>
-      </a:lnRef>
-      <a:fillRef idx="1">
-        <a:scrgbClr r="0" g="0" b="0"/>
-      </a:fillRef>
-      <a:effectRef idx="0">
-        <a:scrgbClr r="0" g="0" b="0"/>
-      </a:effectRef>
-      <a:fontRef idx="minor"/>
-    </dgm:style>
-  </dgm:styleLbl>
-  <dgm:styleLbl name="solidBgAcc1">
-    <dgm:scene3d>
-      <a:camera prst="orthographicFront"/>
-      <a:lightRig rig="threePt" dir="t"/>
-    </dgm:scene3d>
-    <dgm:sp3d/>
-    <dgm:txPr/>
-    <dgm:style>
-      <a:lnRef idx="2">
-        <a:scrgbClr r="0" g="0" b="0"/>
-      </a:lnRef>
-      <a:fillRef idx="1">
-        <a:scrgbClr r="0" g="0" b="0"/>
-      </a:fillRef>
-      <a:effectRef idx="0">
-        <a:scrgbClr r="0" g="0" b="0"/>
-      </a:effectRef>
-      <a:fontRef idx="minor"/>
-    </dgm:style>
-  </dgm:styleLbl>
-  <dgm:styleLbl name="fgAccFollowNode1">
-    <dgm:scene3d>
-      <a:camera prst="orthographicFront"/>
-      <a:lightRig rig="threePt" dir="t"/>
-    </dgm:scene3d>
-    <dgm:sp3d/>
-    <dgm:txPr/>
-    <dgm:style>
-      <a:lnRef idx="2">
-        <a:scrgbClr r="0" g="0" b="0"/>
-      </a:lnRef>
-      <a:fillRef idx="1">
-        <a:scrgbClr r="0" g="0" b="0"/>
-      </a:fillRef>
-      <a:effectRef idx="0">
-        <a:scrgbClr r="0" g="0" b="0"/>
-      </a:effectRef>
-      <a:fontRef idx="minor"/>
-    </dgm:style>
-  </dgm:styleLbl>
-  <dgm:styleLbl name="alignAccFollowNode1">
-    <dgm:scene3d>
-      <a:camera prst="orthographicFront"/>
-      <a:lightRig rig="threePt" dir="t"/>
-    </dgm:scene3d>
-    <dgm:sp3d/>
-    <dgm:txPr/>
-    <dgm:style>
-      <a:lnRef idx="2">
-        <a:scrgbClr r="0" g="0" b="0"/>
-      </a:lnRef>
-      <a:fillRef idx="1">
-        <a:scrgbClr r="0" g="0" b="0"/>
-      </a:fillRef>
-      <a:effectRef idx="0">
-        <a:scrgbClr r="0" g="0" b="0"/>
-      </a:effectRef>
-      <a:fontRef idx="minor"/>
-    </dgm:style>
-  </dgm:styleLbl>
-  <dgm:styleLbl name="bgAccFollowNode1">
-    <dgm:scene3d>
-      <a:camera prst="orthographicFront"/>
-      <a:lightRig rig="threePt" dir="t"/>
-    </dgm:scene3d>
-    <dgm:sp3d/>
-    <dgm:txPr/>
-    <dgm:style>
-      <a:lnRef idx="2">
-        <a:scrgbClr r="0" g="0" b="0"/>
-      </a:lnRef>
-      <a:fillRef idx="1">
-        <a:scrgbClr r="0" g="0" b="0"/>
-      </a:fillRef>
-      <a:effectRef idx="0">
-        <a:scrgbClr r="0" g="0" b="0"/>
-      </a:effectRef>
-      <a:fontRef idx="minor"/>
-    </dgm:style>
-  </dgm:styleLbl>
-  <dgm:styleLbl name="fgAcc0">
-    <dgm:scene3d>
-      <a:camera prst="orthographicFront"/>
-      <a:lightRig rig="threePt" dir="t"/>
-    </dgm:scene3d>
-    <dgm:sp3d/>
-    <dgm:txPr/>
-    <dgm:style>
-      <a:lnRef idx="2">
-        <a:scrgbClr r="0" g="0" b="0"/>
-      </a:lnRef>
-      <a:fillRef idx="1">
-        <a:scrgbClr r="0" g="0" b="0"/>
-      </a:fillRef>
-      <a:effectRef idx="0">
-        <a:scrgbClr r="0" g="0" b="0"/>
-      </a:effectRef>
-      <a:fontRef idx="minor"/>
-    </dgm:style>
-  </dgm:styleLbl>
-  <dgm:styleLbl name="fgAcc2">
-    <dgm:scene3d>
-      <a:camera prst="orthographicFront"/>
-      <a:lightRig rig="threePt" dir="t"/>
-    </dgm:scene3d>
-    <dgm:sp3d/>
-    <dgm:txPr/>
-    <dgm:style>
-      <a:lnRef idx="2">
-        <a:scrgbClr r="0" g="0" b="0"/>
-      </a:lnRef>
-      <a:fillRef idx="1">
-        <a:scrgbClr r="0" g="0" b="0"/>
-      </a:fillRef>
-      <a:effectRef idx="0">
-        <a:scrgbClr r="0" g="0" b="0"/>
-      </a:effectRef>
-      <a:fontRef idx="minor"/>
-    </dgm:style>
-  </dgm:styleLbl>
-  <dgm:styleLbl name="fgAcc3">
-    <dgm:scene3d>
-      <a:camera prst="orthographicFront"/>
-      <a:lightRig rig="threePt" dir="t"/>
-    </dgm:scene3d>
-    <dgm:sp3d/>
-    <dgm:txPr/>
-    <dgm:style>
-      <a:lnRef idx="2">
-        <a:scrgbClr r="0" g="0" b="0"/>
-      </a:lnRef>
-      <a:fillRef idx="1">
-        <a:scrgbClr r="0" g="0" b="0"/>
-      </a:fillRef>
-      <a:effectRef idx="0">
-        <a:scrgbClr r="0" g="0" b="0"/>
-      </a:effectRef>
-      <a:fontRef idx="minor"/>
-    </dgm:style>
-  </dgm:styleLbl>
-  <dgm:styleLbl name="fgAcc4">
-    <dgm:scene3d>
-      <a:camera prst="orthographicFront"/>
-      <a:lightRig rig="threePt" dir="t"/>
-    </dgm:scene3d>
-    <dgm:sp3d/>
-    <dgm:txPr/>
-    <dgm:style>
-      <a:lnRef idx="2">
-        <a:scrgbClr r="0" g="0" b="0"/>
-      </a:lnRef>
-      <a:fillRef idx="1">
-        <a:scrgbClr r="0" g="0" b="0"/>
-      </a:fillRef>
-      <a:effectRef idx="0">
-        <a:scrgbClr r="0" g="0" b="0"/>
-      </a:effectRef>
-      <a:fontRef idx="minor"/>
-    </dgm:style>
-  </dgm:styleLbl>
-  <dgm:styleLbl name="bgShp">
-    <dgm:scene3d>
-      <a:camera prst="orthographicFront"/>
-      <a:lightRig rig="threePt" dir="t"/>
-    </dgm:scene3d>
-    <dgm:sp3d/>
-    <dgm:txPr/>
-    <dgm:style>
-      <a:lnRef idx="0">
-        <a:scrgbClr r="0" g="0" b="0"/>
-      </a:lnRef>
-      <a:fillRef idx="1">
-        <a:scrgbClr r="0" g="0" b="0"/>
-      </a:fillRef>
-      <a:effectRef idx="0">
-        <a:scrgbClr r="0" g="0" b="0"/>
-      </a:effectRef>
-      <a:fontRef idx="minor"/>
-    </dgm:style>
-  </dgm:styleLbl>
-  <dgm:styleLbl name="dkBgShp">
-    <dgm:scene3d>
-      <a:camera prst="orthographicFront"/>
-      <a:lightRig rig="threePt" dir="t"/>
-    </dgm:scene3d>
-    <dgm:sp3d/>
-    <dgm:txPr/>
-    <dgm:style>
-      <a:lnRef idx="0">
-        <a:scrgbClr r="0" g="0" b="0"/>
-      </a:lnRef>
-      <a:fillRef idx="1">
-        <a:scrgbClr r="0" g="0" b="0"/>
-      </a:fillRef>
-      <a:effectRef idx="0">
-        <a:scrgbClr r="0" g="0" b="0"/>
-      </a:effectRef>
-      <a:fontRef idx="minor"/>
-    </dgm:style>
-  </dgm:styleLbl>
-  <dgm:styleLbl name="trBgShp">
-    <dgm:scene3d>
-      <a:camera prst="orthographicFront"/>
-      <a:lightRig rig="threePt" dir="t"/>
-    </dgm:scene3d>
-    <dgm:sp3d/>
-    <dgm:txPr/>
-    <dgm:style>
-      <a:lnRef idx="0">
-        <a:scrgbClr r="0" g="0" b="0"/>
-      </a:lnRef>
-      <a:fillRef idx="1">
-        <a:scrgbClr r="0" g="0" b="0"/>
-      </a:fillRef>
-      <a:effectRef idx="0">
-        <a:scrgbClr r="0" g="0" b="0"/>
-      </a:effectRef>
-      <a:fontRef idx="minor"/>
-    </dgm:style>
-  </dgm:styleLbl>
-  <dgm:styleLbl name="fgShp">
-    <dgm:scene3d>
-      <a:camera prst="orthographicFront"/>
-      <a:lightRig rig="threePt" dir="t"/>
-    </dgm:scene3d>
-    <dgm:sp3d/>
-    <dgm:txPr/>
-    <dgm:style>
-      <a:lnRef idx="2">
-        <a:scrgbClr r="0" g="0" b="0"/>
-      </a:lnRef>
-      <a:fillRef idx="1">
-        <a:scrgbClr r="0" g="0" b="0"/>
-      </a:fillRef>
-      <a:effectRef idx="0">
-        <a:scrgbClr r="0" g="0" b="0"/>
-      </a:effectRef>
-      <a:fontRef idx="minor"/>
-    </dgm:style>
-  </dgm:styleLbl>
-  <dgm:styleLbl name="revTx">
-    <dgm:scene3d>
-      <a:camera prst="orthographicFront"/>
-      <a:lightRig rig="threePt" dir="t"/>
-    </dgm:scene3d>
-    <dgm:sp3d/>
-    <dgm:txPr/>
-    <dgm:style>
-      <a:lnRef idx="0">
-        <a:scrgbClr r="0" g="0" b="0"/>
-      </a:lnRef>
-      <a:fillRef idx="0">
-        <a:scrgbClr r="0" g="0" b="0"/>
-      </a:fillRef>
-      <a:effectRef idx="0">
-        <a:scrgbClr r="0" g="0" b="0"/>
-      </a:effectRef>
-      <a:fontRef idx="minor"/>
-    </dgm:style>
-  </dgm:styleLbl>
-</dgm:styleDef>
 </file>
 
 <file path=ppt/handoutMasters/handoutMaster1.xml><?xml version="1.0" encoding="utf-8"?>
@@ -9252,6 +6148,42 @@
           <a:chExt cx="0" cy="0"/>
         </a:xfrm>
       </p:grpSpPr>
+      <p:sp>
+        <p:nvSpPr>
+          <p:cNvPr id="2" name="Title 1"/>
+          <p:cNvSpPr>
+            <a:spLocks noGrp="1"/>
+          </p:cNvSpPr>
+          <p:nvPr>
+            <p:ph type="title"/>
+          </p:nvPr>
+        </p:nvSpPr>
+        <p:spPr>
+          <a:xfrm>
+            <a:off x="3337301" y="309966"/>
+            <a:ext cx="4566834" cy="592810"/>
+          </a:xfrm>
+        </p:spPr>
+        <p:txBody>
+          <a:bodyPr/>
+          <a:lstStyle/>
+          <a:p>
+            <a:r>
+              <a:rPr lang="en-US" dirty="0" smtClean="0">
+                <a:solidFill>
+                  <a:srgbClr val="00B0F0"/>
+                </a:solidFill>
+              </a:rPr>
+              <a:t>Screenshots</a:t>
+            </a:r>
+            <a:endParaRPr lang="en-US" dirty="0">
+              <a:solidFill>
+                <a:srgbClr val="00B0F0"/>
+              </a:solidFill>
+            </a:endParaRPr>
+          </a:p>
+        </p:txBody>
+      </p:sp>
       <p:pic>
         <p:nvPicPr>
           <p:cNvPr id="4" name="Content Placeholder 3"/>
@@ -9259,10 +6191,10 @@
             <a:picLocks noGrp="1" noChangeAspect="1"/>
           </p:cNvPicPr>
           <p:nvPr>
-            <p:ph idx="1"/>
+            <p:ph sz="half" idx="1"/>
           </p:nvPr>
         </p:nvPicPr>
-        <p:blipFill rotWithShape="1">
+        <p:blipFill>
           <a:blip r:embed="rId2">
             <a:extLst>
               <a:ext uri="{28A0092B-C50C-407E-A947-70E740481C1C}">
@@ -9270,20 +6202,80 @@
               </a:ext>
             </a:extLst>
           </a:blip>
-          <a:srcRect t="41037" b="14151"/>
-          <a:stretch/>
+          <a:stretch>
+            <a:fillRect/>
+          </a:stretch>
         </p:blipFill>
         <p:spPr>
           <a:xfrm>
-            <a:off x="1524000" y="3270141"/>
-            <a:ext cx="7542508" cy="1472339"/>
+            <a:off x="681925" y="1038386"/>
+            <a:ext cx="2887977" cy="5521334"/>
+          </a:xfrm>
+        </p:spPr>
+      </p:pic>
+      <p:pic>
+        <p:nvPicPr>
+          <p:cNvPr id="5" name="Picture 4"/>
+          <p:cNvPicPr>
+            <a:picLocks noChangeAspect="1"/>
+          </p:cNvPicPr>
+          <p:nvPr/>
+        </p:nvPicPr>
+        <p:blipFill>
+          <a:blip r:embed="rId3">
+            <a:extLst>
+              <a:ext uri="{28A0092B-C50C-407E-A947-70E740481C1C}">
+                <a14:useLocalDpi xmlns:a14="http://schemas.microsoft.com/office/drawing/2010/main" val="0"/>
+              </a:ext>
+            </a:extLst>
+          </a:blip>
+          <a:stretch>
+            <a:fillRect/>
+          </a:stretch>
+        </p:blipFill>
+        <p:spPr>
+          <a:xfrm>
+            <a:off x="3828080" y="1038386"/>
+            <a:ext cx="3000031" cy="5521334"/>
+          </a:xfrm>
+          <a:prstGeom prst="rect">
+            <a:avLst/>
+          </a:prstGeom>
+        </p:spPr>
+      </p:pic>
+      <p:pic>
+        <p:nvPicPr>
+          <p:cNvPr id="9" name="Content Placeholder 8"/>
+          <p:cNvPicPr>
+            <a:picLocks noGrp="1" noChangeAspect="1"/>
+          </p:cNvPicPr>
+          <p:nvPr>
+            <p:ph sz="half" idx="2"/>
+          </p:nvPr>
+        </p:nvPicPr>
+        <p:blipFill>
+          <a:blip r:embed="rId4">
+            <a:extLst>
+              <a:ext uri="{28A0092B-C50C-407E-A947-70E740481C1C}">
+                <a14:useLocalDpi xmlns:a14="http://schemas.microsoft.com/office/drawing/2010/main" val="0"/>
+              </a:ext>
+            </a:extLst>
+          </a:blip>
+          <a:stretch>
+            <a:fillRect/>
+          </a:stretch>
+        </p:blipFill>
+        <p:spPr>
+          <a:xfrm>
+            <a:off x="7372939" y="1038225"/>
+            <a:ext cx="3008722" cy="5521325"/>
           </a:xfrm>
         </p:spPr>
       </p:pic>
     </p:spTree>
     <p:extLst>
       <p:ext uri="{BB962C8B-B14F-4D97-AF65-F5344CB8AC3E}">
-        <p14:creationId xmlns:p14="http://schemas.microsoft.com/office/powerpoint/2010/main" val="1514594706"/>
+        <p14:creationId xmlns:p14="http://schemas.microsoft.com/office/powerpoint/2010/main" val="1382416307"/>
       </p:ext>
     </p:extLst>
   </p:cSld>
@@ -9329,93 +6321,38 @@
           <a:chExt cx="0" cy="0"/>
         </a:xfrm>
       </p:grpSpPr>
-      <p:sp>
-        <p:nvSpPr>
-          <p:cNvPr id="2" name="Title 1"/>
-          <p:cNvSpPr>
-            <a:spLocks noGrp="1"/>
-          </p:cNvSpPr>
-          <p:nvPr>
-            <p:ph type="title"/>
-          </p:nvPr>
-        </p:nvSpPr>
-        <p:spPr/>
-        <p:txBody>
-          <a:bodyPr/>
-          <a:lstStyle/>
-          <a:p>
-            <a:r>
-              <a:rPr lang="en-US" dirty="0" smtClean="0"/>
-              <a:t>Two content layout with SmartArt</a:t>
-            </a:r>
-            <a:endParaRPr lang="en-US" dirty="0"/>
-          </a:p>
-        </p:txBody>
-      </p:sp>
-      <p:sp>
-        <p:nvSpPr>
-          <p:cNvPr id="3" name="Content Placeholder 2"/>
-          <p:cNvSpPr>
-            <a:spLocks noGrp="1"/>
-          </p:cNvSpPr>
-          <p:nvPr>
-            <p:ph sz="half" idx="1"/>
-          </p:nvPr>
-        </p:nvSpPr>
-        <p:spPr/>
-        <p:txBody>
-          <a:bodyPr/>
-          <a:lstStyle/>
-          <a:p>
-            <a:r>
-              <a:rPr lang="en-US" dirty="0" smtClean="0"/>
-              <a:t>First bullet point here</a:t>
-            </a:r>
-          </a:p>
-          <a:p>
-            <a:r>
-              <a:rPr lang="en-US" dirty="0" smtClean="0"/>
-              <a:t>Second bullet point here</a:t>
-            </a:r>
-          </a:p>
-          <a:p>
-            <a:r>
-              <a:rPr lang="en-US" dirty="0" smtClean="0"/>
-              <a:t>Third bullet point here</a:t>
-            </a:r>
-            <a:endParaRPr lang="en-US" dirty="0"/>
-          </a:p>
-        </p:txBody>
-      </p:sp>
-      <p:graphicFrame>
-        <p:nvGraphicFramePr>
-          <p:cNvPr id="6" name="Content Placeholder 5" descr="Gear" title="SmartArt"/>
-          <p:cNvGraphicFramePr>
-            <a:graphicFrameLocks noGrp="1"/>
-          </p:cNvGraphicFramePr>
-          <p:nvPr>
-            <p:ph sz="half" idx="2"/>
-            <p:extLst>
-              <p:ext uri="{D42A27DB-BD31-4B8C-83A1-F6EECF244321}">
-                <p14:modId xmlns:p14="http://schemas.microsoft.com/office/powerpoint/2010/main" val="3686547429"/>
-              </p:ext>
-            </p:extLst>
-          </p:nvPr>
-        </p:nvGraphicFramePr>
-        <p:xfrm>
-          <a:off x="6172200" y="1714500"/>
-          <a:ext cx="4495800" cy="4462463"/>
-        </p:xfrm>
-        <a:graphic>
-          <a:graphicData uri="http://schemas.openxmlformats.org/drawingml/2006/diagram">
-            <dgm:relIds xmlns:dgm="http://schemas.openxmlformats.org/drawingml/2006/diagram" xmlns:r="http://schemas.openxmlformats.org/officeDocument/2006/relationships" r:dm="rId2" r:lo="rId3" r:qs="rId4" r:cs="rId5"/>
-          </a:graphicData>
-        </a:graphic>
-      </p:graphicFrame>
+      <p:pic>
+        <p:nvPicPr>
+          <p:cNvPr id="4" name="Content Placeholder 3"/>
+          <p:cNvPicPr>
+            <a:picLocks noGrp="1" noChangeAspect="1"/>
+          </p:cNvPicPr>
+          <p:nvPr>
+            <p:ph idx="1"/>
+          </p:nvPr>
+        </p:nvPicPr>
+        <p:blipFill rotWithShape="1">
+          <a:blip r:embed="rId2">
+            <a:extLst>
+              <a:ext uri="{28A0092B-C50C-407E-A947-70E740481C1C}">
+                <a14:useLocalDpi xmlns:a14="http://schemas.microsoft.com/office/drawing/2010/main" val="0"/>
+              </a:ext>
+            </a:extLst>
+          </a:blip>
+          <a:srcRect t="41037" b="14151"/>
+          <a:stretch/>
+        </p:blipFill>
+        <p:spPr>
+          <a:xfrm>
+            <a:off x="1524000" y="3270141"/>
+            <a:ext cx="7542508" cy="1472339"/>
+          </a:xfrm>
+        </p:spPr>
+      </p:pic>
     </p:spTree>
     <p:extLst>
       <p:ext uri="{BB962C8B-B14F-4D97-AF65-F5344CB8AC3E}">
-        <p14:creationId xmlns:p14="http://schemas.microsoft.com/office/powerpoint/2010/main" val="1382416307"/>
+        <p14:creationId xmlns:p14="http://schemas.microsoft.com/office/powerpoint/2010/main" val="1514594706"/>
       </p:ext>
     </p:extLst>
   </p:cSld>
